--- a/Figs/other_results.pptx
+++ b/Figs/other_results.pptx
@@ -118,7 +118,7 @@
 <file path=ppt/revisionInfo.xml><?xml version="1.0" encoding="utf-8"?>
 <p1510:revInfo xmlns:a="http://schemas.openxmlformats.org/drawingml/2006/main" xmlns:r="http://schemas.openxmlformats.org/officeDocument/2006/relationships" xmlns:p1510="http://schemas.microsoft.com/office/powerpoint/2015/10/main">
   <p1510:revLst>
-    <p1510:client id="{320AC832-D1C2-4EC9-96D8-08B3B98D7991}" v="434" dt="2023-10-03T12:42:48.753"/>
+    <p1510:client id="{320AC832-D1C2-4EC9-96D8-08B3B98D7991}" v="535" dt="2023-10-20T12:43:07.331"/>
   </p1510:revLst>
 </p1510:revInfo>
 </file>
@@ -5141,12 +5141,12 @@
   <pc:docChgLst>
     <pc:chgData name="Johann Bock Severin" userId="3b36179260fc8001" providerId="LiveId" clId="{320AC832-D1C2-4EC9-96D8-08B3B98D7991}"/>
     <pc:docChg chg="custSel delSld modSld">
-      <pc:chgData name="Johann Bock Severin" userId="3b36179260fc8001" providerId="LiveId" clId="{320AC832-D1C2-4EC9-96D8-08B3B98D7991}" dt="2023-10-03T12:42:48.753" v="436"/>
+      <pc:chgData name="Johann Bock Severin" userId="3b36179260fc8001" providerId="LiveId" clId="{320AC832-D1C2-4EC9-96D8-08B3B98D7991}" dt="2023-10-20T12:43:07.331" v="536" actId="20577"/>
       <pc:docMkLst>
         <pc:docMk/>
       </pc:docMkLst>
       <pc:sldChg chg="addSp delSp modSp mod">
-        <pc:chgData name="Johann Bock Severin" userId="3b36179260fc8001" providerId="LiveId" clId="{320AC832-D1C2-4EC9-96D8-08B3B98D7991}" dt="2023-10-03T12:42:48.753" v="436"/>
+        <pc:chgData name="Johann Bock Severin" userId="3b36179260fc8001" providerId="LiveId" clId="{320AC832-D1C2-4EC9-96D8-08B3B98D7991}" dt="2023-10-20T12:43:07.331" v="536" actId="20577"/>
         <pc:sldMkLst>
           <pc:docMk/>
           <pc:sldMk cId="2845768841" sldId="260"/>
@@ -5160,7 +5160,7 @@
           </ac:grpSpMkLst>
         </pc:grpChg>
         <pc:graphicFrameChg chg="add mod modGraphic">
-          <ac:chgData name="Johann Bock Severin" userId="3b36179260fc8001" providerId="LiveId" clId="{320AC832-D1C2-4EC9-96D8-08B3B98D7991}" dt="2023-10-03T12:42:48.753" v="436"/>
+          <ac:chgData name="Johann Bock Severin" userId="3b36179260fc8001" providerId="LiveId" clId="{320AC832-D1C2-4EC9-96D8-08B3B98D7991}" dt="2023-10-20T12:43:07.331" v="536" actId="20577"/>
           <ac:graphicFrameMkLst>
             <pc:docMk/>
             <pc:sldMk cId="2845768841" sldId="260"/>
@@ -6033,6 +6033,11 @@
         <a:bodyPr/>
         <a:lstStyle/>
         <a:p>
+          <a:pPr>
+            <a:lnSpc>
+              <a:spcPct val="100000"/>
+            </a:lnSpc>
+          </a:pPr>
           <a:r>
             <a:rPr lang="en-US" dirty="0">
               <a:effectLst>
@@ -6047,6 +6052,11 @@
           </a:r>
         </a:p>
         <a:p>
+          <a:pPr>
+            <a:lnSpc>
+              <a:spcPct val="100000"/>
+            </a:lnSpc>
+          </a:pPr>
           <a:r>
             <a:rPr lang="en-US" dirty="0">
               <a:effectLst>
@@ -6057,7 +6067,7 @@
                 </a:outerShdw>
               </a:effectLst>
             </a:rPr>
-            <a:t>12.1% </a:t>
+            <a:t>4.2% </a:t>
           </a:r>
           <a:endParaRPr lang="en-DK" dirty="0">
             <a:effectLst>
@@ -6128,7 +6138,7 @@
                 </a:outerShdw>
               </a:effectLst>
             </a:rPr>
-            <a:t>12.2% (+10.4%)</a:t>
+            <a:t>17.2% (+7.2%)</a:t>
           </a:r>
           <a:endParaRPr lang="en-DK" dirty="0">
             <a:effectLst>
@@ -6185,6 +6195,11 @@
         <a:bodyPr/>
         <a:lstStyle/>
         <a:p>
+          <a:pPr>
+            <a:lnSpc>
+              <a:spcPct val="100000"/>
+            </a:lnSpc>
+          </a:pPr>
           <a:r>
             <a:rPr lang="en-US" dirty="0">
               <a:effectLst>
@@ -6195,7 +6210,26 @@
                 </a:outerShdw>
               </a:effectLst>
             </a:rPr>
-            <a:t>Temperature 27.9%</a:t>
+            <a:t>Temperature</a:t>
+          </a:r>
+        </a:p>
+        <a:p>
+          <a:pPr>
+            <a:lnSpc>
+              <a:spcPct val="100000"/>
+            </a:lnSpc>
+          </a:pPr>
+          <a:r>
+            <a:rPr lang="en-US" dirty="0">
+              <a:effectLst>
+                <a:outerShdw blurRad="50800" dist="38100" dir="2700000" algn="tl" rotWithShape="0">
+                  <a:prstClr val="black">
+                    <a:alpha val="40000"/>
+                  </a:prstClr>
+                </a:outerShdw>
+              </a:effectLst>
+            </a:rPr>
+            <a:t> 26.6%</a:t>
           </a:r>
           <a:endParaRPr lang="en-DK" dirty="0">
             <a:effectLst>
@@ -6238,6 +6272,11 @@
         <a:bodyPr/>
         <a:lstStyle/>
         <a:p>
+          <a:pPr>
+            <a:lnSpc>
+              <a:spcPct val="100000"/>
+            </a:lnSpc>
+          </a:pPr>
           <a:r>
             <a:rPr lang="en-US" dirty="0">
               <a:effectLst>
@@ -6248,7 +6287,26 @@
                 </a:outerShdw>
               </a:effectLst>
             </a:rPr>
-            <a:t>Efficiency 1.8%</a:t>
+            <a:t>Efficiency</a:t>
+          </a:r>
+        </a:p>
+        <a:p>
+          <a:pPr>
+            <a:lnSpc>
+              <a:spcPct val="100000"/>
+            </a:lnSpc>
+          </a:pPr>
+          <a:r>
+            <a:rPr lang="en-US" dirty="0">
+              <a:effectLst>
+                <a:outerShdw blurRad="50800" dist="38100" dir="2700000" algn="tl" rotWithShape="0">
+                  <a:prstClr val="black">
+                    <a:alpha val="40000"/>
+                  </a:prstClr>
+                </a:outerShdw>
+              </a:effectLst>
+            </a:rPr>
+            <a:t> 10.0%</a:t>
           </a:r>
           <a:endParaRPr lang="en-DK" dirty="0">
             <a:effectLst>
@@ -6319,7 +6377,7 @@
                 </a:outerShdw>
               </a:effectLst>
             </a:rPr>
-            <a:t>12.2% (+0.1%)</a:t>
+            <a:t>17.2% (+13.0%)</a:t>
           </a:r>
           <a:endParaRPr lang="en-DK" dirty="0">
             <a:effectLst>
@@ -6398,7 +6456,7 @@
                 </a:outerShdw>
               </a:effectLst>
             </a:rPr>
-            <a:t>34.5% (+22.4%)</a:t>
+            <a:t>25.4% (+21.2%)</a:t>
           </a:r>
           <a:endParaRPr lang="en-DK" dirty="0">
             <a:effectLst>
@@ -6477,7 +6535,7 @@
                 </a:outerShdw>
               </a:effectLst>
             </a:rPr>
-            <a:t>29.0% (+1.1%)</a:t>
+            <a:t>29.8% (+3.4%)</a:t>
           </a:r>
           <a:endParaRPr lang="en-DK" dirty="0">
             <a:effectLst>
@@ -6556,7 +6614,7 @@
                 </a:outerShdw>
               </a:effectLst>
             </a:rPr>
-            <a:t>34.5%(+6.6%)</a:t>
+            <a:t>25.4%(-1.2%)</a:t>
           </a:r>
           <a:endParaRPr lang="en-DK" dirty="0">
             <a:effectLst>
@@ -6635,7 +6693,7 @@
                 </a:outerShdw>
               </a:effectLst>
             </a:rPr>
-            <a:t>29.0% (+27.2%)</a:t>
+            <a:t>29.8% (+19.8%)</a:t>
           </a:r>
           <a:endParaRPr lang="en-DK" dirty="0">
             <a:effectLst>
@@ -6714,7 +6772,7 @@
                 </a:outerShdw>
               </a:effectLst>
             </a:rPr>
-            <a:t>33.4%(+0.1%)</a:t>
+            <a:t>34.6%(+8.8%)</a:t>
           </a:r>
           <a:endParaRPr lang="en-DK" dirty="0">
             <a:effectLst>
@@ -6799,7 +6857,7 @@
                 </a:outerShdw>
               </a:effectLst>
             </a:rPr>
-            <a:t>33.4%(+21.2%)</a:t>
+            <a:t>34.6%(+17.4%)</a:t>
           </a:r>
           <a:endParaRPr lang="en-DK" dirty="0">
             <a:effectLst>
@@ -6884,7 +6942,7 @@
                 </a:outerShdw>
               </a:effectLst>
             </a:rPr>
-            <a:t>33.4%(-0.9%)</a:t>
+            <a:t>34.6%(+8.8%)</a:t>
           </a:r>
           <a:endParaRPr lang="en-DK" dirty="0">
             <a:effectLst>
@@ -6969,7 +7027,7 @@
                 </a:outerShdw>
               </a:effectLst>
             </a:rPr>
-            <a:t>33.4%(+4.4%)</a:t>
+            <a:t>34.6%(+4.8%)</a:t>
           </a:r>
           <a:endParaRPr lang="en-DK" dirty="0">
             <a:effectLst>
@@ -7054,7 +7112,7 @@
                 </a:outerShdw>
               </a:effectLst>
             </a:rPr>
-            <a:t>33.4%(+21.2%)</a:t>
+            <a:t>34.6%(+17.4%)</a:t>
           </a:r>
           <a:endParaRPr lang="en-DK" dirty="0">
             <a:effectLst>
@@ -7139,7 +7197,7 @@
                 </a:outerShdw>
               </a:effectLst>
             </a:rPr>
-            <a:t>33.4%(+4.4%)</a:t>
+            <a:t>34.6%(+4.8%)</a:t>
           </a:r>
           <a:endParaRPr lang="en-DK" dirty="0">
             <a:effectLst>
@@ -7921,8 +7979,8 @@
       </dsp:nvSpPr>
       <dsp:spPr>
         <a:xfrm>
-          <a:off x="9763614" y="3646082"/>
-          <a:ext cx="238018" cy="729922"/>
+          <a:off x="9958427" y="3653997"/>
+          <a:ext cx="242767" cy="744486"/>
         </a:xfrm>
         <a:custGeom>
           <a:avLst/>
@@ -7936,10 +7994,10 @@
                 <a:pt x="0" y="0"/>
               </a:moveTo>
               <a:lnTo>
-                <a:pt x="0" y="729922"/>
+                <a:pt x="0" y="744486"/>
               </a:lnTo>
               <a:lnTo>
-                <a:pt x="238018" y="729922"/>
+                <a:pt x="242767" y="744486"/>
               </a:lnTo>
             </a:path>
           </a:pathLst>
@@ -7974,8 +8032,8 @@
       </dsp:nvSpPr>
       <dsp:spPr>
         <a:xfrm>
-          <a:off x="9438322" y="2519462"/>
-          <a:ext cx="960007" cy="333225"/>
+          <a:off x="9626645" y="2504898"/>
+          <a:ext cx="979162" cy="339874"/>
         </a:xfrm>
         <a:custGeom>
           <a:avLst/>
@@ -7989,13 +8047,13 @@
                 <a:pt x="0" y="0"/>
               </a:moveTo>
               <a:lnTo>
-                <a:pt x="0" y="166612"/>
+                <a:pt x="0" y="169937"/>
               </a:lnTo>
               <a:lnTo>
-                <a:pt x="960007" y="166612"/>
+                <a:pt x="979162" y="169937"/>
               </a:lnTo>
               <a:lnTo>
-                <a:pt x="960007" y="333225"/>
+                <a:pt x="979162" y="339874"/>
               </a:lnTo>
             </a:path>
           </a:pathLst>
@@ -8035,8 +8093,8 @@
       </dsp:nvSpPr>
       <dsp:spPr>
         <a:xfrm>
-          <a:off x="7843600" y="3646082"/>
-          <a:ext cx="238018" cy="729922"/>
+          <a:off x="8000103" y="3653997"/>
+          <a:ext cx="242767" cy="744486"/>
         </a:xfrm>
         <a:custGeom>
           <a:avLst/>
@@ -8050,10 +8108,10 @@
                 <a:pt x="0" y="0"/>
               </a:moveTo>
               <a:lnTo>
-                <a:pt x="0" y="729922"/>
+                <a:pt x="0" y="744486"/>
               </a:lnTo>
               <a:lnTo>
-                <a:pt x="238018" y="729922"/>
+                <a:pt x="242767" y="744486"/>
               </a:lnTo>
             </a:path>
           </a:pathLst>
@@ -8088,8 +8146,8 @@
       </dsp:nvSpPr>
       <dsp:spPr>
         <a:xfrm>
-          <a:off x="8478315" y="2519462"/>
-          <a:ext cx="960007" cy="333225"/>
+          <a:off x="8647483" y="2504898"/>
+          <a:ext cx="979162" cy="339874"/>
         </a:xfrm>
         <a:custGeom>
           <a:avLst/>
@@ -8100,16 +8158,16 @@
           <a:pathLst>
             <a:path>
               <a:moveTo>
-                <a:pt x="960007" y="0"/>
+                <a:pt x="979162" y="0"/>
               </a:moveTo>
               <a:lnTo>
-                <a:pt x="960007" y="166612"/>
+                <a:pt x="979162" y="169937"/>
               </a:lnTo>
               <a:lnTo>
-                <a:pt x="0" y="166612"/>
+                <a:pt x="0" y="169937"/>
               </a:lnTo>
               <a:lnTo>
-                <a:pt x="0" y="333225"/>
+                <a:pt x="0" y="339874"/>
               </a:lnTo>
             </a:path>
           </a:pathLst>
@@ -8144,8 +8202,8 @@
       </dsp:nvSpPr>
       <dsp:spPr>
         <a:xfrm>
-          <a:off x="5923586" y="3646082"/>
-          <a:ext cx="238018" cy="729922"/>
+          <a:off x="6041779" y="3653997"/>
+          <a:ext cx="242767" cy="744486"/>
         </a:xfrm>
         <a:custGeom>
           <a:avLst/>
@@ -8159,10 +8217,10 @@
                 <a:pt x="0" y="0"/>
               </a:moveTo>
               <a:lnTo>
-                <a:pt x="0" y="729922"/>
+                <a:pt x="0" y="744486"/>
               </a:lnTo>
               <a:lnTo>
-                <a:pt x="238018" y="729922"/>
+                <a:pt x="242767" y="744486"/>
               </a:lnTo>
             </a:path>
           </a:pathLst>
@@ -8197,8 +8255,8 @@
       </dsp:nvSpPr>
       <dsp:spPr>
         <a:xfrm>
-          <a:off x="5598294" y="2519462"/>
-          <a:ext cx="960007" cy="333225"/>
+          <a:off x="5709997" y="2504898"/>
+          <a:ext cx="979162" cy="339874"/>
         </a:xfrm>
         <a:custGeom>
           <a:avLst/>
@@ -8212,13 +8270,13 @@
                 <a:pt x="0" y="0"/>
               </a:moveTo>
               <a:lnTo>
-                <a:pt x="0" y="166612"/>
+                <a:pt x="0" y="169937"/>
               </a:lnTo>
               <a:lnTo>
-                <a:pt x="960007" y="166612"/>
+                <a:pt x="979162" y="169937"/>
               </a:lnTo>
               <a:lnTo>
-                <a:pt x="960007" y="333225"/>
+                <a:pt x="979162" y="339874"/>
               </a:lnTo>
             </a:path>
           </a:pathLst>
@@ -8258,8 +8316,8 @@
       </dsp:nvSpPr>
       <dsp:spPr>
         <a:xfrm>
-          <a:off x="4003571" y="3646082"/>
-          <a:ext cx="238018" cy="729922"/>
+          <a:off x="4083455" y="3653997"/>
+          <a:ext cx="242767" cy="744486"/>
         </a:xfrm>
         <a:custGeom>
           <a:avLst/>
@@ -8273,10 +8331,10 @@
                 <a:pt x="0" y="0"/>
               </a:moveTo>
               <a:lnTo>
-                <a:pt x="0" y="729922"/>
+                <a:pt x="0" y="744486"/>
               </a:lnTo>
               <a:lnTo>
-                <a:pt x="238018" y="729922"/>
+                <a:pt x="242767" y="744486"/>
               </a:lnTo>
             </a:path>
           </a:pathLst>
@@ -8311,8 +8369,8 @@
       </dsp:nvSpPr>
       <dsp:spPr>
         <a:xfrm>
-          <a:off x="4638287" y="2519462"/>
-          <a:ext cx="960007" cy="333225"/>
+          <a:off x="4730835" y="2504898"/>
+          <a:ext cx="979162" cy="339874"/>
         </a:xfrm>
         <a:custGeom>
           <a:avLst/>
@@ -8323,16 +8381,16 @@
           <a:pathLst>
             <a:path>
               <a:moveTo>
-                <a:pt x="960007" y="0"/>
+                <a:pt x="979162" y="0"/>
               </a:moveTo>
               <a:lnTo>
-                <a:pt x="960007" y="166612"/>
+                <a:pt x="979162" y="169937"/>
               </a:lnTo>
               <a:lnTo>
-                <a:pt x="0" y="166612"/>
+                <a:pt x="0" y="169937"/>
               </a:lnTo>
               <a:lnTo>
-                <a:pt x="0" y="333225"/>
+                <a:pt x="0" y="339874"/>
               </a:lnTo>
             </a:path>
           </a:pathLst>
@@ -8372,8 +8430,8 @@
       </dsp:nvSpPr>
       <dsp:spPr>
         <a:xfrm>
-          <a:off x="2083557" y="3646082"/>
-          <a:ext cx="238018" cy="729922"/>
+          <a:off x="2125131" y="3653997"/>
+          <a:ext cx="242767" cy="744486"/>
         </a:xfrm>
         <a:custGeom>
           <a:avLst/>
@@ -8387,10 +8445,10 @@
                 <a:pt x="0" y="0"/>
               </a:moveTo>
               <a:lnTo>
-                <a:pt x="0" y="729922"/>
+                <a:pt x="0" y="744486"/>
               </a:lnTo>
               <a:lnTo>
-                <a:pt x="238018" y="729922"/>
+                <a:pt x="242767" y="744486"/>
               </a:lnTo>
             </a:path>
           </a:pathLst>
@@ -8425,8 +8483,8 @@
       </dsp:nvSpPr>
       <dsp:spPr>
         <a:xfrm>
-          <a:off x="1758266" y="2519462"/>
-          <a:ext cx="960007" cy="333225"/>
+          <a:off x="1793348" y="2504898"/>
+          <a:ext cx="979162" cy="339874"/>
         </a:xfrm>
         <a:custGeom>
           <a:avLst/>
@@ -8440,13 +8498,13 @@
                 <a:pt x="0" y="0"/>
               </a:moveTo>
               <a:lnTo>
-                <a:pt x="0" y="166612"/>
+                <a:pt x="0" y="169937"/>
               </a:lnTo>
               <a:lnTo>
-                <a:pt x="960007" y="166612"/>
+                <a:pt x="979162" y="169937"/>
               </a:lnTo>
               <a:lnTo>
-                <a:pt x="960007" y="333225"/>
+                <a:pt x="979162" y="339874"/>
               </a:lnTo>
             </a:path>
           </a:pathLst>
@@ -8486,8 +8544,8 @@
       </dsp:nvSpPr>
       <dsp:spPr>
         <a:xfrm>
-          <a:off x="163543" y="3646082"/>
-          <a:ext cx="238018" cy="729922"/>
+          <a:off x="166806" y="3653997"/>
+          <a:ext cx="242767" cy="744486"/>
         </a:xfrm>
         <a:custGeom>
           <a:avLst/>
@@ -8501,10 +8559,10 @@
                 <a:pt x="0" y="0"/>
               </a:moveTo>
               <a:lnTo>
-                <a:pt x="0" y="729922"/>
+                <a:pt x="0" y="744486"/>
               </a:lnTo>
               <a:lnTo>
-                <a:pt x="238018" y="729922"/>
+                <a:pt x="242767" y="744486"/>
               </a:lnTo>
             </a:path>
           </a:pathLst>
@@ -8539,8 +8597,8 @@
       </dsp:nvSpPr>
       <dsp:spPr>
         <a:xfrm>
-          <a:off x="798259" y="2519462"/>
-          <a:ext cx="960007" cy="333225"/>
+          <a:off x="814186" y="2504898"/>
+          <a:ext cx="979162" cy="339874"/>
         </a:xfrm>
         <a:custGeom>
           <a:avLst/>
@@ -8551,16 +8609,16 @@
           <a:pathLst>
             <a:path>
               <a:moveTo>
-                <a:pt x="960007" y="0"/>
+                <a:pt x="979162" y="0"/>
               </a:moveTo>
               <a:lnTo>
-                <a:pt x="960007" y="166612"/>
+                <a:pt x="979162" y="169937"/>
               </a:lnTo>
               <a:lnTo>
-                <a:pt x="0" y="166612"/>
+                <a:pt x="0" y="169937"/>
               </a:lnTo>
               <a:lnTo>
-                <a:pt x="0" y="333225"/>
+                <a:pt x="0" y="339874"/>
               </a:lnTo>
             </a:path>
           </a:pathLst>
@@ -8600,8 +8658,8 @@
       </dsp:nvSpPr>
       <dsp:spPr>
         <a:xfrm>
-          <a:off x="964871" y="1726068"/>
-          <a:ext cx="1586788" cy="793394"/>
+          <a:off x="984123" y="1695673"/>
+          <a:ext cx="1618449" cy="809224"/>
         </a:xfrm>
         <a:prstGeom prst="rect">
           <a:avLst/>
@@ -8650,7 +8708,7 @@
         <a:p>
           <a:pPr marL="0" lvl="0" indent="0" algn="ctr" defTabSz="755650">
             <a:lnSpc>
-              <a:spcPct val="90000"/>
+              <a:spcPct val="100000"/>
             </a:lnSpc>
             <a:spcBef>
               <a:spcPct val="0"/>
@@ -8676,7 +8734,7 @@
         <a:p>
           <a:pPr marL="0" lvl="0" indent="0" algn="ctr" defTabSz="755650">
             <a:lnSpc>
-              <a:spcPct val="90000"/>
+              <a:spcPct val="100000"/>
             </a:lnSpc>
             <a:spcBef>
               <a:spcPct val="0"/>
@@ -8696,7 +8754,7 @@
                 </a:outerShdw>
               </a:effectLst>
             </a:rPr>
-            <a:t>12.1% </a:t>
+            <a:t>4.2% </a:t>
           </a:r>
           <a:endParaRPr lang="en-DK" sz="1700" kern="1200" dirty="0">
             <a:effectLst>
@@ -8710,8 +8768,8 @@
         </a:p>
       </dsp:txBody>
       <dsp:txXfrm>
-        <a:off x="964871" y="1726068"/>
-        <a:ext cx="1586788" cy="793394"/>
+        <a:off x="984123" y="1695673"/>
+        <a:ext cx="1618449" cy="809224"/>
       </dsp:txXfrm>
     </dsp:sp>
     <dsp:sp modelId="{05E99284-8962-47C8-B0F5-5EB93602675B}">
@@ -8721,8 +8779,8 @@
       </dsp:nvSpPr>
       <dsp:spPr>
         <a:xfrm>
-          <a:off x="4864" y="2852688"/>
-          <a:ext cx="1586788" cy="793394"/>
+          <a:off x="4961" y="2844773"/>
+          <a:ext cx="1618449" cy="809224"/>
         </a:xfrm>
         <a:prstGeom prst="rect">
           <a:avLst/>
@@ -8812,7 +8870,7 @@
                 </a:outerShdw>
               </a:effectLst>
             </a:rPr>
-            <a:t>34.5% (+22.4%)</a:t>
+            <a:t>25.4% (+21.2%)</a:t>
           </a:r>
           <a:endParaRPr lang="en-DK" sz="1700" kern="1200" dirty="0">
             <a:effectLst>
@@ -8826,8 +8884,8 @@
         </a:p>
       </dsp:txBody>
       <dsp:txXfrm>
-        <a:off x="4864" y="2852688"/>
-        <a:ext cx="1586788" cy="793394"/>
+        <a:off x="4961" y="2844773"/>
+        <a:ext cx="1618449" cy="809224"/>
       </dsp:txXfrm>
     </dsp:sp>
     <dsp:sp modelId="{15D99DF4-10DC-4899-B96D-AC8F8141F5CB}">
@@ -8837,8 +8895,8 @@
       </dsp:nvSpPr>
       <dsp:spPr>
         <a:xfrm>
-          <a:off x="401561" y="3979308"/>
-          <a:ext cx="1586788" cy="793394"/>
+          <a:off x="409574" y="3993872"/>
+          <a:ext cx="1618449" cy="809224"/>
         </a:xfrm>
         <a:prstGeom prst="rect">
           <a:avLst/>
@@ -8928,7 +8986,7 @@
                 </a:outerShdw>
               </a:effectLst>
             </a:rPr>
-            <a:t>33.4%(+0.1%)</a:t>
+            <a:t>34.6%(+8.8%)</a:t>
           </a:r>
           <a:endParaRPr lang="en-DK" sz="1700" kern="1200" dirty="0">
             <a:effectLst>
@@ -8942,8 +9000,8 @@
         </a:p>
       </dsp:txBody>
       <dsp:txXfrm>
-        <a:off x="401561" y="3979308"/>
-        <a:ext cx="1586788" cy="793394"/>
+        <a:off x="409574" y="3993872"/>
+        <a:ext cx="1618449" cy="809224"/>
       </dsp:txXfrm>
     </dsp:sp>
     <dsp:sp modelId="{3C66CBF1-538F-4A39-A421-137E5DE25B85}">
@@ -8953,8 +9011,8 @@
       </dsp:nvSpPr>
       <dsp:spPr>
         <a:xfrm>
-          <a:off x="1924878" y="2852688"/>
-          <a:ext cx="1586788" cy="793394"/>
+          <a:off x="1963286" y="2844773"/>
+          <a:ext cx="1618449" cy="809224"/>
         </a:xfrm>
         <a:prstGeom prst="rect">
           <a:avLst/>
@@ -9044,7 +9102,7 @@
                 </a:outerShdw>
               </a:effectLst>
             </a:rPr>
-            <a:t>12.2% (+0.1%)</a:t>
+            <a:t>17.2% (+13.0%)</a:t>
           </a:r>
           <a:endParaRPr lang="en-DK" sz="1700" kern="1200" dirty="0">
             <a:effectLst>
@@ -9058,8 +9116,8 @@
         </a:p>
       </dsp:txBody>
       <dsp:txXfrm>
-        <a:off x="1924878" y="2852688"/>
-        <a:ext cx="1586788" cy="793394"/>
+        <a:off x="1963286" y="2844773"/>
+        <a:ext cx="1618449" cy="809224"/>
       </dsp:txXfrm>
     </dsp:sp>
     <dsp:sp modelId="{F553B671-6E2B-4168-BBCF-496FA9886446}">
@@ -9069,8 +9127,8 @@
       </dsp:nvSpPr>
       <dsp:spPr>
         <a:xfrm>
-          <a:off x="2321576" y="3979308"/>
-          <a:ext cx="1586788" cy="793394"/>
+          <a:off x="2367898" y="3993872"/>
+          <a:ext cx="1618449" cy="809224"/>
         </a:xfrm>
         <a:prstGeom prst="rect">
           <a:avLst/>
@@ -9160,7 +9218,7 @@
                 </a:outerShdw>
               </a:effectLst>
             </a:rPr>
-            <a:t>33.4%(+21.2%)</a:t>
+            <a:t>34.6%(+17.4%)</a:t>
           </a:r>
           <a:endParaRPr lang="en-DK" sz="1700" kern="1200" dirty="0">
             <a:effectLst>
@@ -9174,8 +9232,8 @@
         </a:p>
       </dsp:txBody>
       <dsp:txXfrm>
-        <a:off x="2321576" y="3979308"/>
-        <a:ext cx="1586788" cy="793394"/>
+        <a:off x="2367898" y="3993872"/>
+        <a:ext cx="1618449" cy="809224"/>
       </dsp:txXfrm>
     </dsp:sp>
     <dsp:sp modelId="{6100C39D-D1DF-4F86-8334-62AC42BD9A27}">
@@ -9185,8 +9243,8 @@
       </dsp:nvSpPr>
       <dsp:spPr>
         <a:xfrm>
-          <a:off x="4804900" y="1726068"/>
-          <a:ext cx="1586788" cy="793394"/>
+          <a:off x="4900772" y="1695673"/>
+          <a:ext cx="1618449" cy="809224"/>
         </a:xfrm>
         <a:prstGeom prst="rect">
           <a:avLst/>
@@ -9235,7 +9293,7 @@
         <a:p>
           <a:pPr marL="0" lvl="0" indent="0" algn="ctr" defTabSz="755650">
             <a:lnSpc>
-              <a:spcPct val="90000"/>
+              <a:spcPct val="100000"/>
             </a:lnSpc>
             <a:spcBef>
               <a:spcPct val="0"/>
@@ -9255,7 +9313,33 @@
                 </a:outerShdw>
               </a:effectLst>
             </a:rPr>
-            <a:t>Temperature 27.9%</a:t>
+            <a:t>Temperature</a:t>
+          </a:r>
+        </a:p>
+        <a:p>
+          <a:pPr marL="0" lvl="0" indent="0" algn="ctr" defTabSz="755650">
+            <a:lnSpc>
+              <a:spcPct val="100000"/>
+            </a:lnSpc>
+            <a:spcBef>
+              <a:spcPct val="0"/>
+            </a:spcBef>
+            <a:spcAft>
+              <a:spcPct val="35000"/>
+            </a:spcAft>
+            <a:buNone/>
+          </a:pPr>
+          <a:r>
+            <a:rPr lang="en-US" sz="1700" kern="1200" dirty="0">
+              <a:effectLst>
+                <a:outerShdw blurRad="50800" dist="38100" dir="2700000" algn="tl" rotWithShape="0">
+                  <a:prstClr val="black">
+                    <a:alpha val="40000"/>
+                  </a:prstClr>
+                </a:outerShdw>
+              </a:effectLst>
+            </a:rPr>
+            <a:t> 26.6%</a:t>
           </a:r>
           <a:endParaRPr lang="en-DK" sz="1700" kern="1200" dirty="0">
             <a:effectLst>
@@ -9269,8 +9353,8 @@
         </a:p>
       </dsp:txBody>
       <dsp:txXfrm>
-        <a:off x="4804900" y="1726068"/>
-        <a:ext cx="1586788" cy="793394"/>
+        <a:off x="4900772" y="1695673"/>
+        <a:ext cx="1618449" cy="809224"/>
       </dsp:txXfrm>
     </dsp:sp>
     <dsp:sp modelId="{CAD75E84-4F74-4F0D-9378-7D4DE1FF4762}">
@@ -9280,8 +9364,8 @@
       </dsp:nvSpPr>
       <dsp:spPr>
         <a:xfrm>
-          <a:off x="3844893" y="2852688"/>
-          <a:ext cx="1586788" cy="793394"/>
+          <a:off x="3921610" y="2844773"/>
+          <a:ext cx="1618449" cy="809224"/>
         </a:xfrm>
         <a:prstGeom prst="rect">
           <a:avLst/>
@@ -9371,7 +9455,7 @@
                 </a:outerShdw>
               </a:effectLst>
             </a:rPr>
-            <a:t>34.5%(+6.6%)</a:t>
+            <a:t>25.4%(-1.2%)</a:t>
           </a:r>
           <a:endParaRPr lang="en-DK" sz="1700" kern="1200" dirty="0">
             <a:effectLst>
@@ -9385,8 +9469,8 @@
         </a:p>
       </dsp:txBody>
       <dsp:txXfrm>
-        <a:off x="3844893" y="2852688"/>
-        <a:ext cx="1586788" cy="793394"/>
+        <a:off x="3921610" y="2844773"/>
+        <a:ext cx="1618449" cy="809224"/>
       </dsp:txXfrm>
     </dsp:sp>
     <dsp:sp modelId="{8AF058F7-29AB-49A1-ACAB-A11AF0BB5E2A}">
@@ -9396,8 +9480,8 @@
       </dsp:nvSpPr>
       <dsp:spPr>
         <a:xfrm>
-          <a:off x="4241590" y="3979308"/>
-          <a:ext cx="1586788" cy="793394"/>
+          <a:off x="4326222" y="3993872"/>
+          <a:ext cx="1618449" cy="809224"/>
         </a:xfrm>
         <a:prstGeom prst="rect">
           <a:avLst/>
@@ -9487,7 +9571,7 @@
                 </a:outerShdw>
               </a:effectLst>
             </a:rPr>
-            <a:t>33.4%(-0.9%)</a:t>
+            <a:t>34.6%(+8.8%)</a:t>
           </a:r>
           <a:endParaRPr lang="en-DK" sz="1700" kern="1200" dirty="0">
             <a:effectLst>
@@ -9501,8 +9585,8 @@
         </a:p>
       </dsp:txBody>
       <dsp:txXfrm>
-        <a:off x="4241590" y="3979308"/>
-        <a:ext cx="1586788" cy="793394"/>
+        <a:off x="4326222" y="3993872"/>
+        <a:ext cx="1618449" cy="809224"/>
       </dsp:txXfrm>
     </dsp:sp>
     <dsp:sp modelId="{2DF14116-C7A5-4618-A790-CFDC69C59529}">
@@ -9512,8 +9596,8 @@
       </dsp:nvSpPr>
       <dsp:spPr>
         <a:xfrm>
-          <a:off x="5764907" y="2852688"/>
-          <a:ext cx="1586788" cy="793394"/>
+          <a:off x="5879934" y="2844773"/>
+          <a:ext cx="1618449" cy="809224"/>
         </a:xfrm>
         <a:prstGeom prst="rect">
           <a:avLst/>
@@ -9603,7 +9687,7 @@
                 </a:outerShdw>
               </a:effectLst>
             </a:rPr>
-            <a:t>29.0% (+1.1%)</a:t>
+            <a:t>29.8% (+3.4%)</a:t>
           </a:r>
           <a:endParaRPr lang="en-DK" sz="1700" kern="1200" dirty="0">
             <a:effectLst>
@@ -9617,8 +9701,8 @@
         </a:p>
       </dsp:txBody>
       <dsp:txXfrm>
-        <a:off x="5764907" y="2852688"/>
-        <a:ext cx="1586788" cy="793394"/>
+        <a:off x="5879934" y="2844773"/>
+        <a:ext cx="1618449" cy="809224"/>
       </dsp:txXfrm>
     </dsp:sp>
     <dsp:sp modelId="{4280BFAF-1B60-472C-A525-68F63841D575}">
@@ -9628,8 +9712,8 @@
       </dsp:nvSpPr>
       <dsp:spPr>
         <a:xfrm>
-          <a:off x="6161604" y="3979308"/>
-          <a:ext cx="1586788" cy="793394"/>
+          <a:off x="6284546" y="3993872"/>
+          <a:ext cx="1618449" cy="809224"/>
         </a:xfrm>
         <a:prstGeom prst="rect">
           <a:avLst/>
@@ -9719,7 +9803,7 @@
                 </a:outerShdw>
               </a:effectLst>
             </a:rPr>
-            <a:t>33.4%(+4.4%)</a:t>
+            <a:t>34.6%(+4.8%)</a:t>
           </a:r>
           <a:endParaRPr lang="en-DK" sz="1700" kern="1200" dirty="0">
             <a:effectLst>
@@ -9733,8 +9817,8 @@
         </a:p>
       </dsp:txBody>
       <dsp:txXfrm>
-        <a:off x="6161604" y="3979308"/>
-        <a:ext cx="1586788" cy="793394"/>
+        <a:off x="6284546" y="3993872"/>
+        <a:ext cx="1618449" cy="809224"/>
       </dsp:txXfrm>
     </dsp:sp>
     <dsp:sp modelId="{E01F42E2-9AF5-41D3-96C5-EBA50F356E82}">
@@ -9744,8 +9828,8 @@
       </dsp:nvSpPr>
       <dsp:spPr>
         <a:xfrm>
-          <a:off x="8644928" y="1726068"/>
-          <a:ext cx="1586788" cy="793394"/>
+          <a:off x="8817420" y="1695673"/>
+          <a:ext cx="1618449" cy="809224"/>
         </a:xfrm>
         <a:prstGeom prst="rect">
           <a:avLst/>
@@ -9794,7 +9878,7 @@
         <a:p>
           <a:pPr marL="0" lvl="0" indent="0" algn="ctr" defTabSz="755650">
             <a:lnSpc>
-              <a:spcPct val="90000"/>
+              <a:spcPct val="100000"/>
             </a:lnSpc>
             <a:spcBef>
               <a:spcPct val="0"/>
@@ -9814,7 +9898,33 @@
                 </a:outerShdw>
               </a:effectLst>
             </a:rPr>
-            <a:t>Efficiency 1.8%</a:t>
+            <a:t>Efficiency</a:t>
+          </a:r>
+        </a:p>
+        <a:p>
+          <a:pPr marL="0" lvl="0" indent="0" algn="ctr" defTabSz="755650">
+            <a:lnSpc>
+              <a:spcPct val="100000"/>
+            </a:lnSpc>
+            <a:spcBef>
+              <a:spcPct val="0"/>
+            </a:spcBef>
+            <a:spcAft>
+              <a:spcPct val="35000"/>
+            </a:spcAft>
+            <a:buNone/>
+          </a:pPr>
+          <a:r>
+            <a:rPr lang="en-US" sz="1700" kern="1200" dirty="0">
+              <a:effectLst>
+                <a:outerShdw blurRad="50800" dist="38100" dir="2700000" algn="tl" rotWithShape="0">
+                  <a:prstClr val="black">
+                    <a:alpha val="40000"/>
+                  </a:prstClr>
+                </a:outerShdw>
+              </a:effectLst>
+            </a:rPr>
+            <a:t> 10.0%</a:t>
           </a:r>
           <a:endParaRPr lang="en-DK" sz="1700" kern="1200" dirty="0">
             <a:effectLst>
@@ -9828,8 +9938,8 @@
         </a:p>
       </dsp:txBody>
       <dsp:txXfrm>
-        <a:off x="8644928" y="1726068"/>
-        <a:ext cx="1586788" cy="793394"/>
+        <a:off x="8817420" y="1695673"/>
+        <a:ext cx="1618449" cy="809224"/>
       </dsp:txXfrm>
     </dsp:sp>
     <dsp:sp modelId="{49905FC5-A93B-42A2-933F-8B8E54EF5C1D}">
@@ -9839,8 +9949,8 @@
       </dsp:nvSpPr>
       <dsp:spPr>
         <a:xfrm>
-          <a:off x="7684921" y="2852688"/>
-          <a:ext cx="1586788" cy="793394"/>
+          <a:off x="7838258" y="2844773"/>
+          <a:ext cx="1618449" cy="809224"/>
         </a:xfrm>
         <a:prstGeom prst="rect">
           <a:avLst/>
@@ -9930,7 +10040,7 @@
                 </a:outerShdw>
               </a:effectLst>
             </a:rPr>
-            <a:t>12.2% (+10.4%)</a:t>
+            <a:t>17.2% (+7.2%)</a:t>
           </a:r>
           <a:endParaRPr lang="en-DK" sz="1700" kern="1200" dirty="0">
             <a:effectLst>
@@ -9944,8 +10054,8 @@
         </a:p>
       </dsp:txBody>
       <dsp:txXfrm>
-        <a:off x="7684921" y="2852688"/>
-        <a:ext cx="1586788" cy="793394"/>
+        <a:off x="7838258" y="2844773"/>
+        <a:ext cx="1618449" cy="809224"/>
       </dsp:txXfrm>
     </dsp:sp>
     <dsp:sp modelId="{D7244B0A-75BC-4772-B0C0-CF9419CE5AB6}">
@@ -9955,8 +10065,8 @@
       </dsp:nvSpPr>
       <dsp:spPr>
         <a:xfrm>
-          <a:off x="8081618" y="3979308"/>
-          <a:ext cx="1586788" cy="793394"/>
+          <a:off x="8242871" y="3993872"/>
+          <a:ext cx="1618449" cy="809224"/>
         </a:xfrm>
         <a:prstGeom prst="rect">
           <a:avLst/>
@@ -10046,7 +10156,7 @@
                 </a:outerShdw>
               </a:effectLst>
             </a:rPr>
-            <a:t>33.4%(+21.2%)</a:t>
+            <a:t>34.6%(+17.4%)</a:t>
           </a:r>
           <a:endParaRPr lang="en-DK" sz="1700" kern="1200" dirty="0">
             <a:effectLst>
@@ -10060,8 +10170,8 @@
         </a:p>
       </dsp:txBody>
       <dsp:txXfrm>
-        <a:off x="8081618" y="3979308"/>
-        <a:ext cx="1586788" cy="793394"/>
+        <a:off x="8242871" y="3993872"/>
+        <a:ext cx="1618449" cy="809224"/>
       </dsp:txXfrm>
     </dsp:sp>
     <dsp:sp modelId="{6EA84574-1D05-47AC-A4C4-B57AA408E587}">
@@ -10071,8 +10181,8 @@
       </dsp:nvSpPr>
       <dsp:spPr>
         <a:xfrm>
-          <a:off x="9604935" y="2852688"/>
-          <a:ext cx="1586788" cy="793394"/>
+          <a:off x="9796582" y="2844773"/>
+          <a:ext cx="1618449" cy="809224"/>
         </a:xfrm>
         <a:prstGeom prst="rect">
           <a:avLst/>
@@ -10162,7 +10272,7 @@
                 </a:outerShdw>
               </a:effectLst>
             </a:rPr>
-            <a:t>29.0% (+27.2%)</a:t>
+            <a:t>29.8% (+19.8%)</a:t>
           </a:r>
           <a:endParaRPr lang="en-DK" sz="1700" kern="1200" dirty="0">
             <a:effectLst>
@@ -10176,8 +10286,8 @@
         </a:p>
       </dsp:txBody>
       <dsp:txXfrm>
-        <a:off x="9604935" y="2852688"/>
-        <a:ext cx="1586788" cy="793394"/>
+        <a:off x="9796582" y="2844773"/>
+        <a:ext cx="1618449" cy="809224"/>
       </dsp:txXfrm>
     </dsp:sp>
     <dsp:sp modelId="{D92B5675-157F-4453-9775-67C626DB731F}">
@@ -10187,8 +10297,8 @@
       </dsp:nvSpPr>
       <dsp:spPr>
         <a:xfrm>
-          <a:off x="10001632" y="3979308"/>
-          <a:ext cx="1586788" cy="793394"/>
+          <a:off x="10201195" y="3993872"/>
+          <a:ext cx="1618449" cy="809224"/>
         </a:xfrm>
         <a:prstGeom prst="rect">
           <a:avLst/>
@@ -10278,7 +10388,7 @@
                 </a:outerShdw>
               </a:effectLst>
             </a:rPr>
-            <a:t>33.4%(+4.4%)</a:t>
+            <a:t>34.6%(+4.8%)</a:t>
           </a:r>
           <a:endParaRPr lang="en-DK" sz="1700" kern="1200" dirty="0">
             <a:effectLst>
@@ -10292,8 +10402,8 @@
         </a:p>
       </dsp:txBody>
       <dsp:txXfrm>
-        <a:off x="10001632" y="3979308"/>
-        <a:ext cx="1586788" cy="793394"/>
+        <a:off x="10201195" y="3993872"/>
+        <a:ext cx="1618449" cy="809224"/>
       </dsp:txXfrm>
     </dsp:sp>
   </dsp:spTree>
@@ -12562,7 +12672,7 @@
           <a:p>
             <a:fld id="{53BF19A1-7C9B-4536-8619-E606248327B6}" type="datetimeFigureOut">
               <a:rPr lang="en-DK" smtClean="0"/>
-              <a:t>03/10/2023</a:t>
+              <a:t>20/10/2023</a:t>
             </a:fld>
             <a:endParaRPr lang="en-DK"/>
           </a:p>
@@ -12979,7 +13089,7 @@
           <a:p>
             <a:fld id="{B21175D6-FCE9-4988-8B6E-5CB52F8DC15C}" type="datetimeFigureOut">
               <a:rPr lang="en-DK" smtClean="0"/>
-              <a:t>03/10/2023</a:t>
+              <a:t>20/10/2023</a:t>
             </a:fld>
             <a:endParaRPr lang="en-DK"/>
           </a:p>
@@ -13179,7 +13289,7 @@
           <a:p>
             <a:fld id="{B21175D6-FCE9-4988-8B6E-5CB52F8DC15C}" type="datetimeFigureOut">
               <a:rPr lang="en-DK" smtClean="0"/>
-              <a:t>03/10/2023</a:t>
+              <a:t>20/10/2023</a:t>
             </a:fld>
             <a:endParaRPr lang="en-DK"/>
           </a:p>
@@ -13389,7 +13499,7 @@
           <a:p>
             <a:fld id="{B21175D6-FCE9-4988-8B6E-5CB52F8DC15C}" type="datetimeFigureOut">
               <a:rPr lang="en-DK" smtClean="0"/>
-              <a:t>03/10/2023</a:t>
+              <a:t>20/10/2023</a:t>
             </a:fld>
             <a:endParaRPr lang="en-DK"/>
           </a:p>
@@ -13589,7 +13699,7 @@
           <a:p>
             <a:fld id="{B21175D6-FCE9-4988-8B6E-5CB52F8DC15C}" type="datetimeFigureOut">
               <a:rPr lang="en-DK" smtClean="0"/>
-              <a:t>03/10/2023</a:t>
+              <a:t>20/10/2023</a:t>
             </a:fld>
             <a:endParaRPr lang="en-DK"/>
           </a:p>
@@ -13865,7 +13975,7 @@
           <a:p>
             <a:fld id="{B21175D6-FCE9-4988-8B6E-5CB52F8DC15C}" type="datetimeFigureOut">
               <a:rPr lang="en-DK" smtClean="0"/>
-              <a:t>03/10/2023</a:t>
+              <a:t>20/10/2023</a:t>
             </a:fld>
             <a:endParaRPr lang="en-DK"/>
           </a:p>
@@ -14133,7 +14243,7 @@
           <a:p>
             <a:fld id="{B21175D6-FCE9-4988-8B6E-5CB52F8DC15C}" type="datetimeFigureOut">
               <a:rPr lang="en-DK" smtClean="0"/>
-              <a:t>03/10/2023</a:t>
+              <a:t>20/10/2023</a:t>
             </a:fld>
             <a:endParaRPr lang="en-DK"/>
           </a:p>
@@ -14548,7 +14658,7 @@
           <a:p>
             <a:fld id="{B21175D6-FCE9-4988-8B6E-5CB52F8DC15C}" type="datetimeFigureOut">
               <a:rPr lang="en-DK" smtClean="0"/>
-              <a:t>03/10/2023</a:t>
+              <a:t>20/10/2023</a:t>
             </a:fld>
             <a:endParaRPr lang="en-DK"/>
           </a:p>
@@ -14690,7 +14800,7 @@
           <a:p>
             <a:fld id="{B21175D6-FCE9-4988-8B6E-5CB52F8DC15C}" type="datetimeFigureOut">
               <a:rPr lang="en-DK" smtClean="0"/>
-              <a:t>03/10/2023</a:t>
+              <a:t>20/10/2023</a:t>
             </a:fld>
             <a:endParaRPr lang="en-DK"/>
           </a:p>
@@ -14803,7 +14913,7 @@
           <a:p>
             <a:fld id="{B21175D6-FCE9-4988-8B6E-5CB52F8DC15C}" type="datetimeFigureOut">
               <a:rPr lang="en-DK" smtClean="0"/>
-              <a:t>03/10/2023</a:t>
+              <a:t>20/10/2023</a:t>
             </a:fld>
             <a:endParaRPr lang="en-DK"/>
           </a:p>
@@ -15116,7 +15226,7 @@
           <a:p>
             <a:fld id="{B21175D6-FCE9-4988-8B6E-5CB52F8DC15C}" type="datetimeFigureOut">
               <a:rPr lang="en-DK" smtClean="0"/>
-              <a:t>03/10/2023</a:t>
+              <a:t>20/10/2023</a:t>
             </a:fld>
             <a:endParaRPr lang="en-DK"/>
           </a:p>
@@ -15405,7 +15515,7 @@
           <a:p>
             <a:fld id="{B21175D6-FCE9-4988-8B6E-5CB52F8DC15C}" type="datetimeFigureOut">
               <a:rPr lang="en-DK" smtClean="0"/>
-              <a:t>03/10/2023</a:t>
+              <a:t>20/10/2023</a:t>
             </a:fld>
             <a:endParaRPr lang="en-DK"/>
           </a:p>
@@ -15648,7 +15758,7 @@
           <a:p>
             <a:fld id="{B21175D6-FCE9-4988-8B6E-5CB52F8DC15C}" type="datetimeFigureOut">
               <a:rPr lang="en-DK" smtClean="0"/>
-              <a:t>03/10/2023</a:t>
+              <a:t>20/10/2023</a:t>
             </a:fld>
             <a:endParaRPr lang="en-DK"/>
           </a:p>
@@ -16078,14 +16188,14 @@
           <p:nvPr>
             <p:extLst>
               <p:ext uri="{D42A27DB-BD31-4B8C-83A1-F6EECF244321}">
-                <p14:modId xmlns:p14="http://schemas.microsoft.com/office/powerpoint/2010/main" val="3978275755"/>
+                <p14:modId xmlns:p14="http://schemas.microsoft.com/office/powerpoint/2010/main" val="3929876627"/>
               </p:ext>
             </p:extLst>
           </p:nvPr>
         </p:nvGraphicFramePr>
         <p:xfrm>
-          <a:off x="236764" y="171450"/>
-          <a:ext cx="11593286" cy="6498771"/>
+          <a:off x="236763" y="171450"/>
+          <a:ext cx="11824607" cy="6498771"/>
         </p:xfrm>
         <a:graphic>
           <a:graphicData uri="http://schemas.openxmlformats.org/drawingml/2006/diagram">

--- a/Figs/other_results.pptx
+++ b/Figs/other_results.pptx
@@ -5,10 +5,11 @@
     <p:sldMasterId id="2147483648" r:id="rId1"/>
   </p:sldMasterIdLst>
   <p:notesMasterIdLst>
-    <p:notesMasterId r:id="rId3"/>
+    <p:notesMasterId r:id="rId4"/>
   </p:notesMasterIdLst>
   <p:sldIdLst>
     <p:sldId id="260" r:id="rId2"/>
+    <p:sldId id="261" r:id="rId3"/>
   </p:sldIdLst>
   <p:sldSz cx="12192000" cy="6858000"/>
   <p:notesSz cx="6858000" cy="9144000"/>
@@ -118,7 +119,7 @@
 <file path=ppt/revisionInfo.xml><?xml version="1.0" encoding="utf-8"?>
 <p1510:revInfo xmlns:a="http://schemas.openxmlformats.org/drawingml/2006/main" xmlns:r="http://schemas.openxmlformats.org/officeDocument/2006/relationships" xmlns:p1510="http://schemas.microsoft.com/office/powerpoint/2015/10/main">
   <p1510:revLst>
-    <p1510:client id="{320AC832-D1C2-4EC9-96D8-08B3B98D7991}" v="535" dt="2023-10-20T12:43:07.331"/>
+    <p1510:client id="{320AC832-D1C2-4EC9-96D8-08B3B98D7991}" v="631" dt="2023-10-24T12:14:54.660"/>
   </p1510:revLst>
 </p1510:revInfo>
 </file>
@@ -5140,8 +5141,8 @@
   </pc:docChgLst>
   <pc:docChgLst>
     <pc:chgData name="Johann Bock Severin" userId="3b36179260fc8001" providerId="LiveId" clId="{320AC832-D1C2-4EC9-96D8-08B3B98D7991}"/>
-    <pc:docChg chg="custSel delSld modSld">
-      <pc:chgData name="Johann Bock Severin" userId="3b36179260fc8001" providerId="LiveId" clId="{320AC832-D1C2-4EC9-96D8-08B3B98D7991}" dt="2023-10-20T12:43:07.331" v="536" actId="20577"/>
+    <pc:docChg chg="undo custSel addSld delSld modSld">
+      <pc:chgData name="Johann Bock Severin" userId="3b36179260fc8001" providerId="LiveId" clId="{320AC832-D1C2-4EC9-96D8-08B3B98D7991}" dt="2023-10-24T12:19:00.885" v="836" actId="1076"/>
       <pc:docMkLst>
         <pc:docMk/>
       </pc:docMkLst>
@@ -5175,6 +5176,141 @@
             <ac:cxnSpMk id="69" creationId="{B14C8072-9F81-7D1B-C042-5EF5D65FB1D0}"/>
           </ac:cxnSpMkLst>
         </pc:cxnChg>
+      </pc:sldChg>
+      <pc:sldChg chg="addSp delSp modSp new mod">
+        <pc:chgData name="Johann Bock Severin" userId="3b36179260fc8001" providerId="LiveId" clId="{320AC832-D1C2-4EC9-96D8-08B3B98D7991}" dt="2023-10-24T12:19:00.885" v="836" actId="1076"/>
+        <pc:sldMkLst>
+          <pc:docMk/>
+          <pc:sldMk cId="1017092954" sldId="261"/>
+        </pc:sldMkLst>
+        <pc:spChg chg="del">
+          <ac:chgData name="Johann Bock Severin" userId="3b36179260fc8001" providerId="LiveId" clId="{320AC832-D1C2-4EC9-96D8-08B3B98D7991}" dt="2023-10-24T12:06:35.440" v="538" actId="478"/>
+          <ac:spMkLst>
+            <pc:docMk/>
+            <pc:sldMk cId="1017092954" sldId="261"/>
+            <ac:spMk id="2" creationId="{E9826D31-9005-3642-0ECB-C4B84BFDF973}"/>
+          </ac:spMkLst>
+        </pc:spChg>
+        <pc:spChg chg="del">
+          <ac:chgData name="Johann Bock Severin" userId="3b36179260fc8001" providerId="LiveId" clId="{320AC832-D1C2-4EC9-96D8-08B3B98D7991}" dt="2023-10-24T12:06:36.571" v="539" actId="478"/>
+          <ac:spMkLst>
+            <pc:docMk/>
+            <pc:sldMk cId="1017092954" sldId="261"/>
+            <ac:spMk id="3" creationId="{CD75B047-1381-5DEB-9F75-12311605BAC1}"/>
+          </ac:spMkLst>
+        </pc:spChg>
+        <pc:spChg chg="mod topLvl">
+          <ac:chgData name="Johann Bock Severin" userId="3b36179260fc8001" providerId="LiveId" clId="{320AC832-D1C2-4EC9-96D8-08B3B98D7991}" dt="2023-10-24T12:10:45.922" v="628" actId="165"/>
+          <ac:spMkLst>
+            <pc:docMk/>
+            <pc:sldMk cId="1017092954" sldId="261"/>
+            <ac:spMk id="6" creationId="{A508A886-1796-25FB-C890-20C15469ABC2}"/>
+          </ac:spMkLst>
+        </pc:spChg>
+        <pc:spChg chg="mod ord topLvl">
+          <ac:chgData name="Johann Bock Severin" userId="3b36179260fc8001" providerId="LiveId" clId="{320AC832-D1C2-4EC9-96D8-08B3B98D7991}" dt="2023-10-24T12:14:30.478" v="799" actId="20577"/>
+          <ac:spMkLst>
+            <pc:docMk/>
+            <pc:sldMk cId="1017092954" sldId="261"/>
+            <ac:spMk id="7" creationId="{EE4111E9-E086-7906-6EF0-6758B8695F18}"/>
+          </ac:spMkLst>
+        </pc:spChg>
+        <pc:spChg chg="mod topLvl">
+          <ac:chgData name="Johann Bock Severin" userId="3b36179260fc8001" providerId="LiveId" clId="{320AC832-D1C2-4EC9-96D8-08B3B98D7991}" dt="2023-10-24T12:12:49.909" v="722" actId="1076"/>
+          <ac:spMkLst>
+            <pc:docMk/>
+            <pc:sldMk cId="1017092954" sldId="261"/>
+            <ac:spMk id="8" creationId="{4D8DBDBF-B887-74BD-700D-70C7A3FC9CEE}"/>
+          </ac:spMkLst>
+        </pc:spChg>
+        <pc:spChg chg="mod ord topLvl">
+          <ac:chgData name="Johann Bock Severin" userId="3b36179260fc8001" providerId="LiveId" clId="{320AC832-D1C2-4EC9-96D8-08B3B98D7991}" dt="2023-10-24T12:14:38.833" v="819" actId="20577"/>
+          <ac:spMkLst>
+            <pc:docMk/>
+            <pc:sldMk cId="1017092954" sldId="261"/>
+            <ac:spMk id="9" creationId="{BC654061-5BBF-DE59-D00F-455AFECCB936}"/>
+          </ac:spMkLst>
+        </pc:spChg>
+        <pc:spChg chg="mod topLvl">
+          <ac:chgData name="Johann Bock Severin" userId="3b36179260fc8001" providerId="LiveId" clId="{320AC832-D1C2-4EC9-96D8-08B3B98D7991}" dt="2023-10-24T12:11:14.104" v="637" actId="208"/>
+          <ac:spMkLst>
+            <pc:docMk/>
+            <pc:sldMk cId="1017092954" sldId="261"/>
+            <ac:spMk id="10" creationId="{237D8133-6C32-0D22-CC1B-40F5A164FFA1}"/>
+          </ac:spMkLst>
+        </pc:spChg>
+        <pc:spChg chg="mod ord topLvl">
+          <ac:chgData name="Johann Bock Severin" userId="3b36179260fc8001" providerId="LiveId" clId="{320AC832-D1C2-4EC9-96D8-08B3B98D7991}" dt="2023-10-24T12:14:35.418" v="810" actId="20577"/>
+          <ac:spMkLst>
+            <pc:docMk/>
+            <pc:sldMk cId="1017092954" sldId="261"/>
+            <ac:spMk id="11" creationId="{239AD9FB-2F55-D551-B5B4-956BE08785A5}"/>
+          </ac:spMkLst>
+        </pc:spChg>
+        <pc:spChg chg="mod topLvl">
+          <ac:chgData name="Johann Bock Severin" userId="3b36179260fc8001" providerId="LiveId" clId="{320AC832-D1C2-4EC9-96D8-08B3B98D7991}" dt="2023-10-24T12:13:39.505" v="750" actId="1076"/>
+          <ac:spMkLst>
+            <pc:docMk/>
+            <pc:sldMk cId="1017092954" sldId="261"/>
+            <ac:spMk id="12" creationId="{46C7C17E-7578-EF54-1C81-9A026936256F}"/>
+          </ac:spMkLst>
+        </pc:spChg>
+        <pc:spChg chg="add mod">
+          <ac:chgData name="Johann Bock Severin" userId="3b36179260fc8001" providerId="LiveId" clId="{320AC832-D1C2-4EC9-96D8-08B3B98D7991}" dt="2023-10-24T12:18:47.514" v="831" actId="1076"/>
+          <ac:spMkLst>
+            <pc:docMk/>
+            <pc:sldMk cId="1017092954" sldId="261"/>
+            <ac:spMk id="13" creationId="{DE79A21D-615D-0003-D61C-2F57313C15B1}"/>
+          </ac:spMkLst>
+        </pc:spChg>
+        <pc:spChg chg="add mod">
+          <ac:chgData name="Johann Bock Severin" userId="3b36179260fc8001" providerId="LiveId" clId="{320AC832-D1C2-4EC9-96D8-08B3B98D7991}" dt="2023-10-24T12:12:46.269" v="721" actId="1076"/>
+          <ac:spMkLst>
+            <pc:docMk/>
+            <pc:sldMk cId="1017092954" sldId="261"/>
+            <ac:spMk id="14" creationId="{A455A442-AD76-9FDF-55D4-11960CFB8CB7}"/>
+          </ac:spMkLst>
+        </pc:spChg>
+        <pc:spChg chg="add mod">
+          <ac:chgData name="Johann Bock Severin" userId="3b36179260fc8001" providerId="LiveId" clId="{320AC832-D1C2-4EC9-96D8-08B3B98D7991}" dt="2023-10-24T12:18:39.405" v="829" actId="1076"/>
+          <ac:spMkLst>
+            <pc:docMk/>
+            <pc:sldMk cId="1017092954" sldId="261"/>
+            <ac:spMk id="15" creationId="{D4973BCC-484C-6C31-D778-EA2A60FDAFB7}"/>
+          </ac:spMkLst>
+        </pc:spChg>
+        <pc:spChg chg="add mod">
+          <ac:chgData name="Johann Bock Severin" userId="3b36179260fc8001" providerId="LiveId" clId="{320AC832-D1C2-4EC9-96D8-08B3B98D7991}" dt="2023-10-24T12:19:00.885" v="836" actId="1076"/>
+          <ac:spMkLst>
+            <pc:docMk/>
+            <pc:sldMk cId="1017092954" sldId="261"/>
+            <ac:spMk id="16" creationId="{88D2AA3A-77CE-7389-DEE9-8C50FD170C1A}"/>
+          </ac:spMkLst>
+        </pc:spChg>
+        <pc:spChg chg="add mod">
+          <ac:chgData name="Johann Bock Severin" userId="3b36179260fc8001" providerId="LiveId" clId="{320AC832-D1C2-4EC9-96D8-08B3B98D7991}" dt="2023-10-24T12:18:53.633" v="834" actId="1076"/>
+          <ac:spMkLst>
+            <pc:docMk/>
+            <pc:sldMk cId="1017092954" sldId="261"/>
+            <ac:spMk id="17" creationId="{C9A0817C-A0C3-8F26-4DBF-2C182C659576}"/>
+          </ac:spMkLst>
+        </pc:spChg>
+        <pc:grpChg chg="del mod">
+          <ac:chgData name="Johann Bock Severin" userId="3b36179260fc8001" providerId="LiveId" clId="{320AC832-D1C2-4EC9-96D8-08B3B98D7991}" dt="2023-10-24T12:10:45.922" v="628" actId="165"/>
+          <ac:grpSpMkLst>
+            <pc:docMk/>
+            <pc:sldMk cId="1017092954" sldId="261"/>
+            <ac:grpSpMk id="5" creationId="{0A8825BB-109D-2161-A2DC-65601D974846}"/>
+          </ac:grpSpMkLst>
+        </pc:grpChg>
+        <pc:graphicFrameChg chg="add del mod modGraphic">
+          <ac:chgData name="Johann Bock Severin" userId="3b36179260fc8001" providerId="LiveId" clId="{320AC832-D1C2-4EC9-96D8-08B3B98D7991}" dt="2023-10-24T12:09:41.575" v="623" actId="18245"/>
+          <ac:graphicFrameMkLst>
+            <pc:docMk/>
+            <pc:sldMk cId="1017092954" sldId="261"/>
+            <ac:graphicFrameMk id="4" creationId="{50026019-9A0F-2E21-C7CD-7039FAD64D70}"/>
+          </ac:graphicFrameMkLst>
+        </pc:graphicFrameChg>
       </pc:sldChg>
       <pc:sldChg chg="del">
         <pc:chgData name="Johann Bock Severin" userId="3b36179260fc8001" providerId="LiveId" clId="{320AC832-D1C2-4EC9-96D8-08B3B98D7991}" dt="2023-10-03T12:29:04.659" v="0" actId="47"/>
@@ -12672,7 +12808,7 @@
           <a:p>
             <a:fld id="{53BF19A1-7C9B-4536-8619-E606248327B6}" type="datetimeFigureOut">
               <a:rPr lang="en-DK" smtClean="0"/>
-              <a:t>20/10/2023</a:t>
+              <a:t>24/10/2023</a:t>
             </a:fld>
             <a:endParaRPr lang="en-DK"/>
           </a:p>
@@ -13089,7 +13225,7 @@
           <a:p>
             <a:fld id="{B21175D6-FCE9-4988-8B6E-5CB52F8DC15C}" type="datetimeFigureOut">
               <a:rPr lang="en-DK" smtClean="0"/>
-              <a:t>20/10/2023</a:t>
+              <a:t>24/10/2023</a:t>
             </a:fld>
             <a:endParaRPr lang="en-DK"/>
           </a:p>
@@ -13289,7 +13425,7 @@
           <a:p>
             <a:fld id="{B21175D6-FCE9-4988-8B6E-5CB52F8DC15C}" type="datetimeFigureOut">
               <a:rPr lang="en-DK" smtClean="0"/>
-              <a:t>20/10/2023</a:t>
+              <a:t>24/10/2023</a:t>
             </a:fld>
             <a:endParaRPr lang="en-DK"/>
           </a:p>
@@ -13499,7 +13635,7 @@
           <a:p>
             <a:fld id="{B21175D6-FCE9-4988-8B6E-5CB52F8DC15C}" type="datetimeFigureOut">
               <a:rPr lang="en-DK" smtClean="0"/>
-              <a:t>20/10/2023</a:t>
+              <a:t>24/10/2023</a:t>
             </a:fld>
             <a:endParaRPr lang="en-DK"/>
           </a:p>
@@ -13699,7 +13835,7 @@
           <a:p>
             <a:fld id="{B21175D6-FCE9-4988-8B6E-5CB52F8DC15C}" type="datetimeFigureOut">
               <a:rPr lang="en-DK" smtClean="0"/>
-              <a:t>20/10/2023</a:t>
+              <a:t>24/10/2023</a:t>
             </a:fld>
             <a:endParaRPr lang="en-DK"/>
           </a:p>
@@ -13975,7 +14111,7 @@
           <a:p>
             <a:fld id="{B21175D6-FCE9-4988-8B6E-5CB52F8DC15C}" type="datetimeFigureOut">
               <a:rPr lang="en-DK" smtClean="0"/>
-              <a:t>20/10/2023</a:t>
+              <a:t>24/10/2023</a:t>
             </a:fld>
             <a:endParaRPr lang="en-DK"/>
           </a:p>
@@ -14243,7 +14379,7 @@
           <a:p>
             <a:fld id="{B21175D6-FCE9-4988-8B6E-5CB52F8DC15C}" type="datetimeFigureOut">
               <a:rPr lang="en-DK" smtClean="0"/>
-              <a:t>20/10/2023</a:t>
+              <a:t>24/10/2023</a:t>
             </a:fld>
             <a:endParaRPr lang="en-DK"/>
           </a:p>
@@ -14658,7 +14794,7 @@
           <a:p>
             <a:fld id="{B21175D6-FCE9-4988-8B6E-5CB52F8DC15C}" type="datetimeFigureOut">
               <a:rPr lang="en-DK" smtClean="0"/>
-              <a:t>20/10/2023</a:t>
+              <a:t>24/10/2023</a:t>
             </a:fld>
             <a:endParaRPr lang="en-DK"/>
           </a:p>
@@ -14800,7 +14936,7 @@
           <a:p>
             <a:fld id="{B21175D6-FCE9-4988-8B6E-5CB52F8DC15C}" type="datetimeFigureOut">
               <a:rPr lang="en-DK" smtClean="0"/>
-              <a:t>20/10/2023</a:t>
+              <a:t>24/10/2023</a:t>
             </a:fld>
             <a:endParaRPr lang="en-DK"/>
           </a:p>
@@ -14913,7 +15049,7 @@
           <a:p>
             <a:fld id="{B21175D6-FCE9-4988-8B6E-5CB52F8DC15C}" type="datetimeFigureOut">
               <a:rPr lang="en-DK" smtClean="0"/>
-              <a:t>20/10/2023</a:t>
+              <a:t>24/10/2023</a:t>
             </a:fld>
             <a:endParaRPr lang="en-DK"/>
           </a:p>
@@ -15226,7 +15362,7 @@
           <a:p>
             <a:fld id="{B21175D6-FCE9-4988-8B6E-5CB52F8DC15C}" type="datetimeFigureOut">
               <a:rPr lang="en-DK" smtClean="0"/>
-              <a:t>20/10/2023</a:t>
+              <a:t>24/10/2023</a:t>
             </a:fld>
             <a:endParaRPr lang="en-DK"/>
           </a:p>
@@ -15515,7 +15651,7 @@
           <a:p>
             <a:fld id="{B21175D6-FCE9-4988-8B6E-5CB52F8DC15C}" type="datetimeFigureOut">
               <a:rPr lang="en-DK" smtClean="0"/>
-              <a:t>20/10/2023</a:t>
+              <a:t>24/10/2023</a:t>
             </a:fld>
             <a:endParaRPr lang="en-DK"/>
           </a:p>
@@ -15758,7 +15894,7 @@
           <a:p>
             <a:fld id="{B21175D6-FCE9-4988-8B6E-5CB52F8DC15C}" type="datetimeFigureOut">
               <a:rPr lang="en-DK" smtClean="0"/>
-              <a:t>20/10/2023</a:t>
+              <a:t>24/10/2023</a:t>
             </a:fld>
             <a:endParaRPr lang="en-DK"/>
           </a:p>
@@ -16225,6 +16361,1008 @@
       </p:transition>
     </mc:Fallback>
   </mc:AlternateContent>
+</p:sld>
+</file>
+
+<file path=ppt/slides/slide2.xml><?xml version="1.0" encoding="utf-8"?>
+<p:sld xmlns:a="http://schemas.openxmlformats.org/drawingml/2006/main" xmlns:r="http://schemas.openxmlformats.org/officeDocument/2006/relationships" xmlns:p="http://schemas.openxmlformats.org/presentationml/2006/main">
+  <p:cSld>
+    <p:spTree>
+      <p:nvGrpSpPr>
+        <p:cNvPr id="1" name=""/>
+        <p:cNvGrpSpPr/>
+        <p:nvPr/>
+      </p:nvGrpSpPr>
+      <p:grpSpPr>
+        <a:xfrm>
+          <a:off x="0" y="0"/>
+          <a:ext cx="0" cy="0"/>
+          <a:chOff x="0" y="0"/>
+          <a:chExt cx="0" cy="0"/>
+        </a:xfrm>
+      </p:grpSpPr>
+      <p:sp>
+        <p:nvSpPr>
+          <p:cNvPr id="11" name="Freeform: Shape 10">
+            <a:extLst>
+              <a:ext uri="{FF2B5EF4-FFF2-40B4-BE49-F238E27FC236}">
+                <a16:creationId xmlns:a16="http://schemas.microsoft.com/office/drawing/2014/main" id="{239AD9FB-2F55-D551-B5B4-956BE08785A5}"/>
+              </a:ext>
+            </a:extLst>
+          </p:cNvPr>
+          <p:cNvSpPr/>
+          <p:nvPr/>
+        </p:nvSpPr>
+        <p:spPr>
+          <a:xfrm>
+            <a:off x="2987742" y="3953570"/>
+            <a:ext cx="2484437" cy="1614884"/>
+          </a:xfrm>
+          <a:custGeom>
+            <a:avLst/>
+            <a:gdLst>
+              <a:gd name="connsiteX0" fmla="*/ 0 w 2484437"/>
+              <a:gd name="connsiteY0" fmla="*/ 269153 h 1614884"/>
+              <a:gd name="connsiteX1" fmla="*/ 269153 w 2484437"/>
+              <a:gd name="connsiteY1" fmla="*/ 0 h 1614884"/>
+              <a:gd name="connsiteX2" fmla="*/ 2215284 w 2484437"/>
+              <a:gd name="connsiteY2" fmla="*/ 0 h 1614884"/>
+              <a:gd name="connsiteX3" fmla="*/ 2484437 w 2484437"/>
+              <a:gd name="connsiteY3" fmla="*/ 269153 h 1614884"/>
+              <a:gd name="connsiteX4" fmla="*/ 2484437 w 2484437"/>
+              <a:gd name="connsiteY4" fmla="*/ 1345731 h 1614884"/>
+              <a:gd name="connsiteX5" fmla="*/ 2215284 w 2484437"/>
+              <a:gd name="connsiteY5" fmla="*/ 1614884 h 1614884"/>
+              <a:gd name="connsiteX6" fmla="*/ 269153 w 2484437"/>
+              <a:gd name="connsiteY6" fmla="*/ 1614884 h 1614884"/>
+              <a:gd name="connsiteX7" fmla="*/ 0 w 2484437"/>
+              <a:gd name="connsiteY7" fmla="*/ 1345731 h 1614884"/>
+              <a:gd name="connsiteX8" fmla="*/ 0 w 2484437"/>
+              <a:gd name="connsiteY8" fmla="*/ 269153 h 1614884"/>
+            </a:gdLst>
+            <a:ahLst/>
+            <a:cxnLst>
+              <a:cxn ang="0">
+                <a:pos x="connsiteX0" y="connsiteY0"/>
+              </a:cxn>
+              <a:cxn ang="0">
+                <a:pos x="connsiteX1" y="connsiteY1"/>
+              </a:cxn>
+              <a:cxn ang="0">
+                <a:pos x="connsiteX2" y="connsiteY2"/>
+              </a:cxn>
+              <a:cxn ang="0">
+                <a:pos x="connsiteX3" y="connsiteY3"/>
+              </a:cxn>
+              <a:cxn ang="0">
+                <a:pos x="connsiteX4" y="connsiteY4"/>
+              </a:cxn>
+              <a:cxn ang="0">
+                <a:pos x="connsiteX5" y="connsiteY5"/>
+              </a:cxn>
+              <a:cxn ang="0">
+                <a:pos x="connsiteX6" y="connsiteY6"/>
+              </a:cxn>
+              <a:cxn ang="0">
+                <a:pos x="connsiteX7" y="connsiteY7"/>
+              </a:cxn>
+              <a:cxn ang="0">
+                <a:pos x="connsiteX8" y="connsiteY8"/>
+              </a:cxn>
+            </a:cxnLst>
+            <a:rect l="l" t="t" r="r" b="b"/>
+            <a:pathLst>
+              <a:path w="2484437" h="1614884">
+                <a:moveTo>
+                  <a:pt x="0" y="269153"/>
+                </a:moveTo>
+                <a:cubicBezTo>
+                  <a:pt x="0" y="120504"/>
+                  <a:pt x="120504" y="0"/>
+                  <a:pt x="269153" y="0"/>
+                </a:cubicBezTo>
+                <a:lnTo>
+                  <a:pt x="2215284" y="0"/>
+                </a:lnTo>
+                <a:cubicBezTo>
+                  <a:pt x="2363933" y="0"/>
+                  <a:pt x="2484437" y="120504"/>
+                  <a:pt x="2484437" y="269153"/>
+                </a:cubicBezTo>
+                <a:lnTo>
+                  <a:pt x="2484437" y="1345731"/>
+                </a:lnTo>
+                <a:cubicBezTo>
+                  <a:pt x="2484437" y="1494380"/>
+                  <a:pt x="2363933" y="1614884"/>
+                  <a:pt x="2215284" y="1614884"/>
+                </a:cubicBezTo>
+                <a:lnTo>
+                  <a:pt x="269153" y="1614884"/>
+                </a:lnTo>
+                <a:cubicBezTo>
+                  <a:pt x="120504" y="1614884"/>
+                  <a:pt x="0" y="1494380"/>
+                  <a:pt x="0" y="1345731"/>
+                </a:cubicBezTo>
+                <a:lnTo>
+                  <a:pt x="0" y="269153"/>
+                </a:lnTo>
+                <a:close/>
+              </a:path>
+            </a:pathLst>
+          </a:custGeom>
+          <a:solidFill>
+            <a:schemeClr val="accent3"/>
+          </a:solidFill>
+        </p:spPr>
+        <p:style>
+          <a:lnRef idx="2">
+            <a:schemeClr val="lt1">
+              <a:hueOff val="0"/>
+              <a:satOff val="0"/>
+              <a:lumOff val="0"/>
+              <a:alphaOff val="0"/>
+            </a:schemeClr>
+          </a:lnRef>
+          <a:fillRef idx="1">
+            <a:scrgbClr r="0" g="0" b="0"/>
+          </a:fillRef>
+          <a:effectRef idx="0">
+            <a:schemeClr val="accent1">
+              <a:hueOff val="0"/>
+              <a:satOff val="0"/>
+              <a:lumOff val="0"/>
+              <a:alphaOff val="0"/>
+            </a:schemeClr>
+          </a:effectRef>
+          <a:fontRef idx="minor">
+            <a:schemeClr val="lt1"/>
+          </a:fontRef>
+        </p:style>
+        <p:txBody>
+          <a:bodyPr spcFirstLastPara="0" vert="horz" wrap="square" lIns="181702" tIns="181702" rIns="181702" bIns="181702" numCol="1" spcCol="1270" anchor="ctr" anchorCtr="0">
+            <a:noAutofit/>
+          </a:bodyPr>
+          <a:lstStyle/>
+          <a:p>
+            <a:pPr marL="0" lvl="0" indent="0" algn="ctr" defTabSz="1200150">
+              <a:lnSpc>
+                <a:spcPct val="90000"/>
+              </a:lnSpc>
+              <a:spcBef>
+                <a:spcPct val="0"/>
+              </a:spcBef>
+              <a:spcAft>
+                <a:spcPct val="35000"/>
+              </a:spcAft>
+              <a:buNone/>
+            </a:pPr>
+            <a:r>
+              <a:rPr lang="en-US" sz="2700" kern="1200" dirty="0"/>
+              <a:t>Pure States</a:t>
+            </a:r>
+            <a:endParaRPr lang="en-DK" sz="2700" kern="1200" dirty="0"/>
+          </a:p>
+        </p:txBody>
+      </p:sp>
+      <p:sp>
+        <p:nvSpPr>
+          <p:cNvPr id="9" name="Freeform: Shape 8">
+            <a:extLst>
+              <a:ext uri="{FF2B5EF4-FFF2-40B4-BE49-F238E27FC236}">
+                <a16:creationId xmlns:a16="http://schemas.microsoft.com/office/drawing/2014/main" id="{BC654061-5BBF-DE59-D00F-455AFECCB936}"/>
+              </a:ext>
+            </a:extLst>
+          </p:cNvPr>
+          <p:cNvSpPr/>
+          <p:nvPr/>
+        </p:nvSpPr>
+        <p:spPr>
+          <a:xfrm>
+            <a:off x="6719819" y="3953570"/>
+            <a:ext cx="2484437" cy="1614884"/>
+          </a:xfrm>
+          <a:custGeom>
+            <a:avLst/>
+            <a:gdLst>
+              <a:gd name="connsiteX0" fmla="*/ 0 w 2484437"/>
+              <a:gd name="connsiteY0" fmla="*/ 269153 h 1614884"/>
+              <a:gd name="connsiteX1" fmla="*/ 269153 w 2484437"/>
+              <a:gd name="connsiteY1" fmla="*/ 0 h 1614884"/>
+              <a:gd name="connsiteX2" fmla="*/ 2215284 w 2484437"/>
+              <a:gd name="connsiteY2" fmla="*/ 0 h 1614884"/>
+              <a:gd name="connsiteX3" fmla="*/ 2484437 w 2484437"/>
+              <a:gd name="connsiteY3" fmla="*/ 269153 h 1614884"/>
+              <a:gd name="connsiteX4" fmla="*/ 2484437 w 2484437"/>
+              <a:gd name="connsiteY4" fmla="*/ 1345731 h 1614884"/>
+              <a:gd name="connsiteX5" fmla="*/ 2215284 w 2484437"/>
+              <a:gd name="connsiteY5" fmla="*/ 1614884 h 1614884"/>
+              <a:gd name="connsiteX6" fmla="*/ 269153 w 2484437"/>
+              <a:gd name="connsiteY6" fmla="*/ 1614884 h 1614884"/>
+              <a:gd name="connsiteX7" fmla="*/ 0 w 2484437"/>
+              <a:gd name="connsiteY7" fmla="*/ 1345731 h 1614884"/>
+              <a:gd name="connsiteX8" fmla="*/ 0 w 2484437"/>
+              <a:gd name="connsiteY8" fmla="*/ 269153 h 1614884"/>
+            </a:gdLst>
+            <a:ahLst/>
+            <a:cxnLst>
+              <a:cxn ang="0">
+                <a:pos x="connsiteX0" y="connsiteY0"/>
+              </a:cxn>
+              <a:cxn ang="0">
+                <a:pos x="connsiteX1" y="connsiteY1"/>
+              </a:cxn>
+              <a:cxn ang="0">
+                <a:pos x="connsiteX2" y="connsiteY2"/>
+              </a:cxn>
+              <a:cxn ang="0">
+                <a:pos x="connsiteX3" y="connsiteY3"/>
+              </a:cxn>
+              <a:cxn ang="0">
+                <a:pos x="connsiteX4" y="connsiteY4"/>
+              </a:cxn>
+              <a:cxn ang="0">
+                <a:pos x="connsiteX5" y="connsiteY5"/>
+              </a:cxn>
+              <a:cxn ang="0">
+                <a:pos x="connsiteX6" y="connsiteY6"/>
+              </a:cxn>
+              <a:cxn ang="0">
+                <a:pos x="connsiteX7" y="connsiteY7"/>
+              </a:cxn>
+              <a:cxn ang="0">
+                <a:pos x="connsiteX8" y="connsiteY8"/>
+              </a:cxn>
+            </a:cxnLst>
+            <a:rect l="l" t="t" r="r" b="b"/>
+            <a:pathLst>
+              <a:path w="2484437" h="1614884">
+                <a:moveTo>
+                  <a:pt x="0" y="269153"/>
+                </a:moveTo>
+                <a:cubicBezTo>
+                  <a:pt x="0" y="120504"/>
+                  <a:pt x="120504" y="0"/>
+                  <a:pt x="269153" y="0"/>
+                </a:cubicBezTo>
+                <a:lnTo>
+                  <a:pt x="2215284" y="0"/>
+                </a:lnTo>
+                <a:cubicBezTo>
+                  <a:pt x="2363933" y="0"/>
+                  <a:pt x="2484437" y="120504"/>
+                  <a:pt x="2484437" y="269153"/>
+                </a:cubicBezTo>
+                <a:lnTo>
+                  <a:pt x="2484437" y="1345731"/>
+                </a:lnTo>
+                <a:cubicBezTo>
+                  <a:pt x="2484437" y="1494380"/>
+                  <a:pt x="2363933" y="1614884"/>
+                  <a:pt x="2215284" y="1614884"/>
+                </a:cubicBezTo>
+                <a:lnTo>
+                  <a:pt x="269153" y="1614884"/>
+                </a:lnTo>
+                <a:cubicBezTo>
+                  <a:pt x="120504" y="1614884"/>
+                  <a:pt x="0" y="1494380"/>
+                  <a:pt x="0" y="1345731"/>
+                </a:cubicBezTo>
+                <a:lnTo>
+                  <a:pt x="0" y="269153"/>
+                </a:lnTo>
+                <a:close/>
+              </a:path>
+            </a:pathLst>
+          </a:custGeom>
+        </p:spPr>
+        <p:style>
+          <a:lnRef idx="2">
+            <a:schemeClr val="lt1">
+              <a:hueOff val="0"/>
+              <a:satOff val="0"/>
+              <a:lumOff val="0"/>
+              <a:alphaOff val="0"/>
+            </a:schemeClr>
+          </a:lnRef>
+          <a:fillRef idx="1">
+            <a:schemeClr val="accent1">
+              <a:hueOff val="0"/>
+              <a:satOff val="0"/>
+              <a:lumOff val="0"/>
+              <a:alphaOff val="0"/>
+            </a:schemeClr>
+          </a:fillRef>
+          <a:effectRef idx="0">
+            <a:schemeClr val="accent1">
+              <a:hueOff val="0"/>
+              <a:satOff val="0"/>
+              <a:lumOff val="0"/>
+              <a:alphaOff val="0"/>
+            </a:schemeClr>
+          </a:effectRef>
+          <a:fontRef idx="minor">
+            <a:schemeClr val="lt1"/>
+          </a:fontRef>
+        </p:style>
+        <p:txBody>
+          <a:bodyPr spcFirstLastPara="0" vert="horz" wrap="square" lIns="181702" tIns="181702" rIns="181702" bIns="181702" numCol="1" spcCol="1270" anchor="ctr" anchorCtr="0">
+            <a:noAutofit/>
+          </a:bodyPr>
+          <a:lstStyle/>
+          <a:p>
+            <a:pPr marL="0" lvl="0" indent="0" algn="ctr" defTabSz="1200150">
+              <a:lnSpc>
+                <a:spcPct val="90000"/>
+              </a:lnSpc>
+              <a:spcBef>
+                <a:spcPct val="0"/>
+              </a:spcBef>
+              <a:spcAft>
+                <a:spcPct val="35000"/>
+              </a:spcAft>
+              <a:buNone/>
+            </a:pPr>
+            <a:r>
+              <a:rPr lang="en-US" sz="2700" kern="1200" dirty="0"/>
+              <a:t>Efficient Measurement</a:t>
+            </a:r>
+            <a:endParaRPr lang="en-DK" sz="2700" kern="1200" dirty="0"/>
+          </a:p>
+        </p:txBody>
+      </p:sp>
+      <p:sp>
+        <p:nvSpPr>
+          <p:cNvPr id="7" name="Freeform: Shape 6">
+            <a:extLst>
+              <a:ext uri="{FF2B5EF4-FFF2-40B4-BE49-F238E27FC236}">
+                <a16:creationId xmlns:a16="http://schemas.microsoft.com/office/drawing/2014/main" id="{EE4111E9-E086-7906-6EF0-6758B8695F18}"/>
+              </a:ext>
+            </a:extLst>
+          </p:cNvPr>
+          <p:cNvSpPr/>
+          <p:nvPr/>
+        </p:nvSpPr>
+        <p:spPr>
+          <a:xfrm>
+            <a:off x="4853781" y="721496"/>
+            <a:ext cx="2484437" cy="1614884"/>
+          </a:xfrm>
+          <a:custGeom>
+            <a:avLst/>
+            <a:gdLst>
+              <a:gd name="connsiteX0" fmla="*/ 0 w 2484437"/>
+              <a:gd name="connsiteY0" fmla="*/ 269153 h 1614884"/>
+              <a:gd name="connsiteX1" fmla="*/ 269153 w 2484437"/>
+              <a:gd name="connsiteY1" fmla="*/ 0 h 1614884"/>
+              <a:gd name="connsiteX2" fmla="*/ 2215284 w 2484437"/>
+              <a:gd name="connsiteY2" fmla="*/ 0 h 1614884"/>
+              <a:gd name="connsiteX3" fmla="*/ 2484437 w 2484437"/>
+              <a:gd name="connsiteY3" fmla="*/ 269153 h 1614884"/>
+              <a:gd name="connsiteX4" fmla="*/ 2484437 w 2484437"/>
+              <a:gd name="connsiteY4" fmla="*/ 1345731 h 1614884"/>
+              <a:gd name="connsiteX5" fmla="*/ 2215284 w 2484437"/>
+              <a:gd name="connsiteY5" fmla="*/ 1614884 h 1614884"/>
+              <a:gd name="connsiteX6" fmla="*/ 269153 w 2484437"/>
+              <a:gd name="connsiteY6" fmla="*/ 1614884 h 1614884"/>
+              <a:gd name="connsiteX7" fmla="*/ 0 w 2484437"/>
+              <a:gd name="connsiteY7" fmla="*/ 1345731 h 1614884"/>
+              <a:gd name="connsiteX8" fmla="*/ 0 w 2484437"/>
+              <a:gd name="connsiteY8" fmla="*/ 269153 h 1614884"/>
+            </a:gdLst>
+            <a:ahLst/>
+            <a:cxnLst>
+              <a:cxn ang="0">
+                <a:pos x="connsiteX0" y="connsiteY0"/>
+              </a:cxn>
+              <a:cxn ang="0">
+                <a:pos x="connsiteX1" y="connsiteY1"/>
+              </a:cxn>
+              <a:cxn ang="0">
+                <a:pos x="connsiteX2" y="connsiteY2"/>
+              </a:cxn>
+              <a:cxn ang="0">
+                <a:pos x="connsiteX3" y="connsiteY3"/>
+              </a:cxn>
+              <a:cxn ang="0">
+                <a:pos x="connsiteX4" y="connsiteY4"/>
+              </a:cxn>
+              <a:cxn ang="0">
+                <a:pos x="connsiteX5" y="connsiteY5"/>
+              </a:cxn>
+              <a:cxn ang="0">
+                <a:pos x="connsiteX6" y="connsiteY6"/>
+              </a:cxn>
+              <a:cxn ang="0">
+                <a:pos x="connsiteX7" y="connsiteY7"/>
+              </a:cxn>
+              <a:cxn ang="0">
+                <a:pos x="connsiteX8" y="connsiteY8"/>
+              </a:cxn>
+            </a:cxnLst>
+            <a:rect l="l" t="t" r="r" b="b"/>
+            <a:pathLst>
+              <a:path w="2484437" h="1614884">
+                <a:moveTo>
+                  <a:pt x="0" y="269153"/>
+                </a:moveTo>
+                <a:cubicBezTo>
+                  <a:pt x="0" y="120504"/>
+                  <a:pt x="120504" y="0"/>
+                  <a:pt x="269153" y="0"/>
+                </a:cubicBezTo>
+                <a:lnTo>
+                  <a:pt x="2215284" y="0"/>
+                </a:lnTo>
+                <a:cubicBezTo>
+                  <a:pt x="2363933" y="0"/>
+                  <a:pt x="2484437" y="120504"/>
+                  <a:pt x="2484437" y="269153"/>
+                </a:cubicBezTo>
+                <a:lnTo>
+                  <a:pt x="2484437" y="1345731"/>
+                </a:lnTo>
+                <a:cubicBezTo>
+                  <a:pt x="2484437" y="1494380"/>
+                  <a:pt x="2363933" y="1614884"/>
+                  <a:pt x="2215284" y="1614884"/>
+                </a:cubicBezTo>
+                <a:lnTo>
+                  <a:pt x="269153" y="1614884"/>
+                </a:lnTo>
+                <a:cubicBezTo>
+                  <a:pt x="120504" y="1614884"/>
+                  <a:pt x="0" y="1494380"/>
+                  <a:pt x="0" y="1345731"/>
+                </a:cubicBezTo>
+                <a:lnTo>
+                  <a:pt x="0" y="269153"/>
+                </a:lnTo>
+                <a:close/>
+              </a:path>
+            </a:pathLst>
+          </a:custGeom>
+          <a:solidFill>
+            <a:schemeClr val="accent2"/>
+          </a:solidFill>
+          <a:ln>
+            <a:noFill/>
+          </a:ln>
+        </p:spPr>
+        <p:style>
+          <a:lnRef idx="2">
+            <a:scrgbClr r="0" g="0" b="0"/>
+          </a:lnRef>
+          <a:fillRef idx="1">
+            <a:scrgbClr r="0" g="0" b="0"/>
+          </a:fillRef>
+          <a:effectRef idx="0">
+            <a:schemeClr val="accent1">
+              <a:hueOff val="0"/>
+              <a:satOff val="0"/>
+              <a:lumOff val="0"/>
+              <a:alphaOff val="0"/>
+            </a:schemeClr>
+          </a:effectRef>
+          <a:fontRef idx="minor">
+            <a:schemeClr val="lt1"/>
+          </a:fontRef>
+        </p:style>
+        <p:txBody>
+          <a:bodyPr spcFirstLastPara="0" vert="horz" wrap="square" lIns="181702" tIns="181702" rIns="181702" bIns="181702" numCol="1" spcCol="1270" anchor="ctr" anchorCtr="0">
+            <a:noAutofit/>
+          </a:bodyPr>
+          <a:lstStyle/>
+          <a:p>
+            <a:pPr marL="0" lvl="0" indent="0" algn="ctr" defTabSz="1200150">
+              <a:lnSpc>
+                <a:spcPct val="90000"/>
+              </a:lnSpc>
+              <a:spcBef>
+                <a:spcPct val="0"/>
+              </a:spcBef>
+              <a:spcAft>
+                <a:spcPct val="35000"/>
+              </a:spcAft>
+              <a:buNone/>
+            </a:pPr>
+            <a:r>
+              <a:rPr lang="en-US" sz="2700" kern="1200" dirty="0"/>
+              <a:t>Coherence</a:t>
+            </a:r>
+            <a:endParaRPr lang="en-DK" sz="2700" kern="1200" dirty="0"/>
+          </a:p>
+        </p:txBody>
+      </p:sp>
+      <p:sp>
+        <p:nvSpPr>
+          <p:cNvPr id="6" name="Rectangle 5">
+            <a:extLst>
+              <a:ext uri="{FF2B5EF4-FFF2-40B4-BE49-F238E27FC236}">
+                <a16:creationId xmlns:a16="http://schemas.microsoft.com/office/drawing/2014/main" id="{A508A886-1796-25FB-C890-20C15469ABC2}"/>
+              </a:ext>
+            </a:extLst>
+          </p:cNvPr>
+          <p:cNvSpPr/>
+          <p:nvPr/>
+        </p:nvSpPr>
+        <p:spPr>
+          <a:xfrm>
+            <a:off x="2032000" y="719666"/>
+            <a:ext cx="8128000" cy="5418667"/>
+          </a:xfrm>
+          <a:prstGeom prst="rect">
+            <a:avLst/>
+          </a:prstGeom>
+          <a:ln w="76200"/>
+        </p:spPr>
+        <p:txBody>
+          <a:bodyPr/>
+          <a:lstStyle/>
+          <a:p>
+            <a:endParaRPr lang="en-DK"/>
+          </a:p>
+        </p:txBody>
+      </p:sp>
+      <p:sp>
+        <p:nvSpPr>
+          <p:cNvPr id="8" name="Freeform: Shape 7">
+            <a:extLst>
+              <a:ext uri="{FF2B5EF4-FFF2-40B4-BE49-F238E27FC236}">
+                <a16:creationId xmlns:a16="http://schemas.microsoft.com/office/drawing/2014/main" id="{4D8DBDBF-B887-74BD-700D-70C7A3FC9CEE}"/>
+              </a:ext>
+            </a:extLst>
+          </p:cNvPr>
+          <p:cNvSpPr/>
+          <p:nvPr/>
+        </p:nvSpPr>
+        <p:spPr>
+          <a:xfrm>
+            <a:off x="3600621" y="1798854"/>
+            <a:ext cx="4309431" cy="4309431"/>
+          </a:xfrm>
+          <a:custGeom>
+            <a:avLst/>
+            <a:gdLst/>
+            <a:ahLst/>
+            <a:cxnLst/>
+            <a:rect l="0" t="0" r="0" b="0"/>
+            <a:pathLst>
+              <a:path>
+                <a:moveTo>
+                  <a:pt x="3730774" y="685416"/>
+                </a:moveTo>
+                <a:arcTo wR="2154715" hR="2154715" stAng="19020466" swAng="2303174"/>
+              </a:path>
+            </a:pathLst>
+          </a:custGeom>
+          <a:noFill/>
+          <a:ln w="76200">
+            <a:solidFill>
+              <a:schemeClr val="tx1"/>
+            </a:solidFill>
+            <a:tailEnd type="arrow"/>
+          </a:ln>
+        </p:spPr>
+        <p:style>
+          <a:lnRef idx="1">
+            <a:schemeClr val="accent1">
+              <a:hueOff val="0"/>
+              <a:satOff val="0"/>
+              <a:lumOff val="0"/>
+              <a:alphaOff val="0"/>
+            </a:schemeClr>
+          </a:lnRef>
+          <a:fillRef idx="0">
+            <a:scrgbClr r="0" g="0" b="0"/>
+          </a:fillRef>
+          <a:effectRef idx="0">
+            <a:schemeClr val="accent1">
+              <a:hueOff val="0"/>
+              <a:satOff val="0"/>
+              <a:lumOff val="0"/>
+              <a:alphaOff val="0"/>
+            </a:schemeClr>
+          </a:effectRef>
+          <a:fontRef idx="minor">
+            <a:schemeClr val="tx1">
+              <a:hueOff val="0"/>
+              <a:satOff val="0"/>
+              <a:lumOff val="0"/>
+              <a:alphaOff val="0"/>
+            </a:schemeClr>
+          </a:fontRef>
+        </p:style>
+        <p:txBody>
+          <a:bodyPr/>
+          <a:lstStyle/>
+          <a:p>
+            <a:endParaRPr lang="en-DK" dirty="0"/>
+          </a:p>
+        </p:txBody>
+      </p:sp>
+      <p:sp>
+        <p:nvSpPr>
+          <p:cNvPr id="10" name="Freeform: Shape 9">
+            <a:extLst>
+              <a:ext uri="{FF2B5EF4-FFF2-40B4-BE49-F238E27FC236}">
+                <a16:creationId xmlns:a16="http://schemas.microsoft.com/office/drawing/2014/main" id="{237D8133-6C32-0D22-CC1B-40F5A164FFA1}"/>
+              </a:ext>
+            </a:extLst>
+          </p:cNvPr>
+          <p:cNvSpPr/>
+          <p:nvPr/>
+        </p:nvSpPr>
+        <p:spPr>
+          <a:xfrm>
+            <a:off x="3941284" y="1528938"/>
+            <a:ext cx="4309431" cy="4309431"/>
+          </a:xfrm>
+          <a:custGeom>
+            <a:avLst/>
+            <a:gdLst/>
+            <a:ahLst/>
+            <a:cxnLst/>
+            <a:rect l="0" t="0" r="0" b="0"/>
+            <a:pathLst>
+              <a:path>
+                <a:moveTo>
+                  <a:pt x="2816277" y="4205358"/>
+                </a:moveTo>
+                <a:arcTo wR="2154715" hR="2154715" stAng="4327181" swAng="2145637"/>
+              </a:path>
+            </a:pathLst>
+          </a:custGeom>
+          <a:noFill/>
+          <a:ln w="76200">
+            <a:solidFill>
+              <a:schemeClr val="tx1"/>
+            </a:solidFill>
+            <a:tailEnd type="arrow"/>
+          </a:ln>
+        </p:spPr>
+        <p:style>
+          <a:lnRef idx="1">
+            <a:schemeClr val="accent1">
+              <a:hueOff val="0"/>
+              <a:satOff val="0"/>
+              <a:lumOff val="0"/>
+              <a:alphaOff val="0"/>
+            </a:schemeClr>
+          </a:lnRef>
+          <a:fillRef idx="0">
+            <a:scrgbClr r="0" g="0" b="0"/>
+          </a:fillRef>
+          <a:effectRef idx="0">
+            <a:schemeClr val="accent1">
+              <a:hueOff val="0"/>
+              <a:satOff val="0"/>
+              <a:lumOff val="0"/>
+              <a:alphaOff val="0"/>
+            </a:schemeClr>
+          </a:effectRef>
+          <a:fontRef idx="minor">
+            <a:schemeClr val="tx1">
+              <a:hueOff val="0"/>
+              <a:satOff val="0"/>
+              <a:lumOff val="0"/>
+              <a:alphaOff val="0"/>
+            </a:schemeClr>
+          </a:fontRef>
+        </p:style>
+        <p:txBody>
+          <a:bodyPr/>
+          <a:lstStyle/>
+          <a:p>
+            <a:endParaRPr lang="en-DK" dirty="0"/>
+          </a:p>
+        </p:txBody>
+      </p:sp>
+      <p:sp>
+        <p:nvSpPr>
+          <p:cNvPr id="12" name="Freeform: Shape 11">
+            <a:extLst>
+              <a:ext uri="{FF2B5EF4-FFF2-40B4-BE49-F238E27FC236}">
+                <a16:creationId xmlns:a16="http://schemas.microsoft.com/office/drawing/2014/main" id="{46C7C17E-7578-EF54-1C81-9A026936256F}"/>
+              </a:ext>
+            </a:extLst>
+          </p:cNvPr>
+          <p:cNvSpPr/>
+          <p:nvPr/>
+        </p:nvSpPr>
+        <p:spPr>
+          <a:xfrm rot="2722033" flipV="1">
+            <a:off x="4114135" y="1656120"/>
+            <a:ext cx="4309431" cy="4309431"/>
+          </a:xfrm>
+          <a:custGeom>
+            <a:avLst/>
+            <a:gdLst/>
+            <a:ahLst/>
+            <a:cxnLst/>
+            <a:rect l="0" t="0" r="0" b="0"/>
+            <a:pathLst>
+              <a:path>
+                <a:moveTo>
+                  <a:pt x="6958" y="1981685"/>
+                </a:moveTo>
+                <a:arcTo wR="2154715" hR="2154715" stAng="11076360" swAng="2303174"/>
+              </a:path>
+            </a:pathLst>
+          </a:custGeom>
+          <a:noFill/>
+          <a:ln w="76200">
+            <a:solidFill>
+              <a:schemeClr val="tx1"/>
+            </a:solidFill>
+            <a:tailEnd type="arrow"/>
+          </a:ln>
+        </p:spPr>
+        <p:style>
+          <a:lnRef idx="1">
+            <a:scrgbClr r="0" g="0" b="0"/>
+          </a:lnRef>
+          <a:fillRef idx="0">
+            <a:scrgbClr r="0" g="0" b="0"/>
+          </a:fillRef>
+          <a:effectRef idx="0">
+            <a:schemeClr val="accent1">
+              <a:hueOff val="0"/>
+              <a:satOff val="0"/>
+              <a:lumOff val="0"/>
+              <a:alphaOff val="0"/>
+            </a:schemeClr>
+          </a:effectRef>
+          <a:fontRef idx="minor">
+            <a:schemeClr val="tx1">
+              <a:hueOff val="0"/>
+              <a:satOff val="0"/>
+              <a:lumOff val="0"/>
+              <a:alphaOff val="0"/>
+            </a:schemeClr>
+          </a:fontRef>
+        </p:style>
+        <p:txBody>
+          <a:bodyPr/>
+          <a:lstStyle/>
+          <a:p>
+            <a:endParaRPr lang="en-DK"/>
+          </a:p>
+        </p:txBody>
+      </p:sp>
+      <p:sp>
+        <p:nvSpPr>
+          <p:cNvPr id="13" name="TextBox 12">
+            <a:extLst>
+              <a:ext uri="{FF2B5EF4-FFF2-40B4-BE49-F238E27FC236}">
+                <a16:creationId xmlns:a16="http://schemas.microsoft.com/office/drawing/2014/main" id="{DE79A21D-615D-0003-D61C-2F57313C15B1}"/>
+              </a:ext>
+            </a:extLst>
+          </p:cNvPr>
+          <p:cNvSpPr txBox="1"/>
+          <p:nvPr/>
+        </p:nvSpPr>
+        <p:spPr>
+          <a:xfrm>
+            <a:off x="7932690" y="2366905"/>
+            <a:ext cx="2339251" cy="830997"/>
+          </a:xfrm>
+          <a:prstGeom prst="rect">
+            <a:avLst/>
+          </a:prstGeom>
+          <a:noFill/>
+        </p:spPr>
+        <p:txBody>
+          <a:bodyPr wrap="square" rtlCol="0">
+            <a:spAutoFit/>
+          </a:bodyPr>
+          <a:lstStyle/>
+          <a:p>
+            <a:r>
+              <a:rPr lang="en-US" sz="2400" dirty="0"/>
+              <a:t>Longer Readout</a:t>
+            </a:r>
+            <a:endParaRPr lang="en-DK" sz="2400" dirty="0"/>
+          </a:p>
+        </p:txBody>
+      </p:sp>
+      <p:sp>
+        <p:nvSpPr>
+          <p:cNvPr id="14" name="Freeform: Shape 13">
+            <a:extLst>
+              <a:ext uri="{FF2B5EF4-FFF2-40B4-BE49-F238E27FC236}">
+                <a16:creationId xmlns:a16="http://schemas.microsoft.com/office/drawing/2014/main" id="{A455A442-AD76-9FDF-55D4-11960CFB8CB7}"/>
+              </a:ext>
+            </a:extLst>
+          </p:cNvPr>
+          <p:cNvSpPr/>
+          <p:nvPr/>
+        </p:nvSpPr>
+        <p:spPr>
+          <a:xfrm flipH="1" flipV="1">
+            <a:off x="6763065" y="212190"/>
+            <a:ext cx="4309431" cy="4309431"/>
+          </a:xfrm>
+          <a:custGeom>
+            <a:avLst/>
+            <a:gdLst/>
+            <a:ahLst/>
+            <a:cxnLst/>
+            <a:rect l="0" t="0" r="0" b="0"/>
+            <a:pathLst>
+              <a:path>
+                <a:moveTo>
+                  <a:pt x="3730774" y="685416"/>
+                </a:moveTo>
+                <a:arcTo wR="2154715" hR="2154715" stAng="19020466" swAng="2303174"/>
+              </a:path>
+            </a:pathLst>
+          </a:custGeom>
+          <a:noFill/>
+          <a:ln w="76200">
+            <a:solidFill>
+              <a:schemeClr val="tx1"/>
+            </a:solidFill>
+            <a:tailEnd type="arrow"/>
+          </a:ln>
+        </p:spPr>
+        <p:style>
+          <a:lnRef idx="1">
+            <a:schemeClr val="accent1">
+              <a:hueOff val="0"/>
+              <a:satOff val="0"/>
+              <a:lumOff val="0"/>
+              <a:alphaOff val="0"/>
+            </a:schemeClr>
+          </a:lnRef>
+          <a:fillRef idx="0">
+            <a:scrgbClr r="0" g="0" b="0"/>
+          </a:fillRef>
+          <a:effectRef idx="0">
+            <a:schemeClr val="accent1">
+              <a:hueOff val="0"/>
+              <a:satOff val="0"/>
+              <a:lumOff val="0"/>
+              <a:alphaOff val="0"/>
+            </a:schemeClr>
+          </a:effectRef>
+          <a:fontRef idx="minor">
+            <a:schemeClr val="tx1">
+              <a:hueOff val="0"/>
+              <a:satOff val="0"/>
+              <a:lumOff val="0"/>
+              <a:alphaOff val="0"/>
+            </a:schemeClr>
+          </a:fontRef>
+        </p:style>
+        <p:txBody>
+          <a:bodyPr/>
+          <a:lstStyle/>
+          <a:p>
+            <a:endParaRPr lang="en-DK" dirty="0"/>
+          </a:p>
+        </p:txBody>
+      </p:sp>
+      <p:sp>
+        <p:nvSpPr>
+          <p:cNvPr id="15" name="TextBox 14">
+            <a:extLst>
+              <a:ext uri="{FF2B5EF4-FFF2-40B4-BE49-F238E27FC236}">
+                <a16:creationId xmlns:a16="http://schemas.microsoft.com/office/drawing/2014/main" id="{D4973BCC-484C-6C31-D778-EA2A60FDAFB7}"/>
+              </a:ext>
+            </a:extLst>
+          </p:cNvPr>
+          <p:cNvSpPr txBox="1"/>
+          <p:nvPr/>
+        </p:nvSpPr>
+        <p:spPr>
+          <a:xfrm>
+            <a:off x="5530435" y="2929166"/>
+            <a:ext cx="2339251" cy="830997"/>
+          </a:xfrm>
+          <a:prstGeom prst="rect">
+            <a:avLst/>
+          </a:prstGeom>
+          <a:noFill/>
+        </p:spPr>
+        <p:txBody>
+          <a:bodyPr wrap="square" rtlCol="0">
+            <a:spAutoFit/>
+          </a:bodyPr>
+          <a:lstStyle/>
+          <a:p>
+            <a:r>
+              <a:rPr lang="en-US" sz="2400" dirty="0"/>
+              <a:t>Shorter Readout</a:t>
+            </a:r>
+            <a:endParaRPr lang="en-DK" sz="2400" dirty="0"/>
+          </a:p>
+        </p:txBody>
+      </p:sp>
+      <p:sp>
+        <p:nvSpPr>
+          <p:cNvPr id="16" name="TextBox 15">
+            <a:extLst>
+              <a:ext uri="{FF2B5EF4-FFF2-40B4-BE49-F238E27FC236}">
+                <a16:creationId xmlns:a16="http://schemas.microsoft.com/office/drawing/2014/main" id="{88D2AA3A-77CE-7389-DEE9-8C50FD170C1A}"/>
+              </a:ext>
+            </a:extLst>
+          </p:cNvPr>
+          <p:cNvSpPr txBox="1"/>
+          <p:nvPr/>
+        </p:nvSpPr>
+        <p:spPr>
+          <a:xfrm>
+            <a:off x="2252858" y="2645380"/>
+            <a:ext cx="2339251" cy="461665"/>
+          </a:xfrm>
+          <a:prstGeom prst="rect">
+            <a:avLst/>
+          </a:prstGeom>
+          <a:noFill/>
+        </p:spPr>
+        <p:txBody>
+          <a:bodyPr wrap="square" rtlCol="0">
+            <a:spAutoFit/>
+          </a:bodyPr>
+          <a:lstStyle/>
+          <a:p>
+            <a:r>
+              <a:rPr lang="en-US" sz="2400" dirty="0"/>
+              <a:t>Active Reset</a:t>
+            </a:r>
+            <a:endParaRPr lang="en-DK" sz="2400" dirty="0"/>
+          </a:p>
+        </p:txBody>
+      </p:sp>
+      <p:sp>
+        <p:nvSpPr>
+          <p:cNvPr id="17" name="TextBox 16">
+            <a:extLst>
+              <a:ext uri="{FF2B5EF4-FFF2-40B4-BE49-F238E27FC236}">
+                <a16:creationId xmlns:a16="http://schemas.microsoft.com/office/drawing/2014/main" id="{C9A0817C-A0C3-8F26-4DBF-2C182C659576}"/>
+              </a:ext>
+            </a:extLst>
+          </p:cNvPr>
+          <p:cNvSpPr txBox="1"/>
+          <p:nvPr/>
+        </p:nvSpPr>
+        <p:spPr>
+          <a:xfrm>
+            <a:off x="5104158" y="5922525"/>
+            <a:ext cx="2339251" cy="461665"/>
+          </a:xfrm>
+          <a:prstGeom prst="rect">
+            <a:avLst/>
+          </a:prstGeom>
+          <a:noFill/>
+        </p:spPr>
+        <p:txBody>
+          <a:bodyPr wrap="square" rtlCol="0">
+            <a:spAutoFit/>
+          </a:bodyPr>
+          <a:lstStyle/>
+          <a:p>
+            <a:r>
+              <a:rPr lang="en-US" sz="2400" dirty="0"/>
+              <a:t>Active Reset</a:t>
+            </a:r>
+            <a:endParaRPr lang="en-DK" sz="2400" dirty="0"/>
+          </a:p>
+        </p:txBody>
+      </p:sp>
+    </p:spTree>
+    <p:extLst>
+      <p:ext uri="{BB962C8B-B14F-4D97-AF65-F5344CB8AC3E}">
+        <p14:creationId xmlns:p14="http://schemas.microsoft.com/office/powerpoint/2010/main" val="1017092954"/>
+      </p:ext>
+    </p:extLst>
+  </p:cSld>
+  <p:clrMapOvr>
+    <a:masterClrMapping/>
+  </p:clrMapOvr>
 </p:sld>
 </file>
 
